--- a/Various materials/Ecogame.pptx
+++ b/Various materials/Ecogame.pptx
@@ -113,6 +113,11 @@
       </a:defRPr>
     </a:lvl9pPr>
   </p:defaultTextStyle>
+  <p:extLst>
+    <p:ext uri="{EFAFB233-063F-42B5-8137-9DF3F51BA10A}">
+      <p15:sldGuideLst xmlns:p15="http://schemas.microsoft.com/office/powerpoint/2012/main"/>
+    </p:ext>
+  </p:extLst>
 </p:presentation>
 </file>
 
@@ -286,7 +291,7 @@
             <a:fld id="{87DE6118-2437-4B30-8E3C-4D2BE6020583}" type="datetimeFigureOut">
               <a:rPr lang="en-US" dirty="0"/>
               <a:pPr/>
-              <a:t>5/25/2022</a:t>
+              <a:t>5/26/22</a:t>
             </a:fld>
             <a:endParaRPr lang="en-US" dirty="0"/>
           </a:p>
@@ -355,7 +360,7 @@
             <a:fld id="{69E57DC2-970A-4B3E-BB1C-7A09969E49DF}" type="slidenum">
               <a:rPr lang="en-US" dirty="0"/>
               <a:pPr/>
-              <a:t>‹N°›</a:t>
+              <a:t>‹#›</a:t>
             </a:fld>
             <a:endParaRPr lang="en-US" dirty="0"/>
           </a:p>
@@ -612,7 +617,7 @@
           <a:p>
             <a:fld id="{87DE6118-2437-4B30-8E3C-4D2BE6020583}" type="datetimeFigureOut">
               <a:rPr lang="en-US" dirty="0"/>
-              <a:t>5/25/2022</a:t>
+              <a:t>5/26/22</a:t>
             </a:fld>
             <a:endParaRPr lang="en-US" dirty="0"/>
           </a:p>
@@ -654,7 +659,7 @@
           <a:p>
             <a:fld id="{69E57DC2-970A-4B3E-BB1C-7A09969E49DF}" type="slidenum">
               <a:rPr lang="en-US" dirty="0"/>
-              <a:t>‹N°›</a:t>
+              <a:t>‹#›</a:t>
             </a:fld>
             <a:endParaRPr lang="en-US" dirty="0"/>
           </a:p>
@@ -787,7 +792,7 @@
           <a:p>
             <a:fld id="{87DE6118-2437-4B30-8E3C-4D2BE6020583}" type="datetimeFigureOut">
               <a:rPr lang="en-US" dirty="0"/>
-              <a:t>5/25/2022</a:t>
+              <a:t>5/26/22</a:t>
             </a:fld>
             <a:endParaRPr lang="en-US" dirty="0"/>
           </a:p>
@@ -829,7 +834,7 @@
           <a:p>
             <a:fld id="{69E57DC2-970A-4B3E-BB1C-7A09969E49DF}" type="slidenum">
               <a:rPr lang="en-US" dirty="0"/>
-              <a:t>‹N°›</a:t>
+              <a:t>‹#›</a:t>
             </a:fld>
             <a:endParaRPr lang="en-US" dirty="0"/>
           </a:p>
@@ -952,7 +957,7 @@
           <a:p>
             <a:fld id="{87DE6118-2437-4B30-8E3C-4D2BE6020583}" type="datetimeFigureOut">
               <a:rPr lang="en-US" dirty="0"/>
-              <a:t>5/25/2022</a:t>
+              <a:t>5/26/22</a:t>
             </a:fld>
             <a:endParaRPr lang="en-US" dirty="0"/>
           </a:p>
@@ -994,7 +999,7 @@
           <a:p>
             <a:fld id="{69E57DC2-970A-4B3E-BB1C-7A09969E49DF}" type="slidenum">
               <a:rPr lang="en-US" dirty="0"/>
-              <a:t>‹N°›</a:t>
+              <a:t>‹#›</a:t>
             </a:fld>
             <a:endParaRPr lang="en-US" dirty="0"/>
           </a:p>
@@ -1225,7 +1230,7 @@
             <a:fld id="{87DE6118-2437-4B30-8E3C-4D2BE6020583}" type="datetimeFigureOut">
               <a:rPr lang="en-US" dirty="0"/>
               <a:pPr/>
-              <a:t>5/25/2022</a:t>
+              <a:t>5/26/22</a:t>
             </a:fld>
             <a:endParaRPr lang="en-US" dirty="0"/>
           </a:p>
@@ -1294,7 +1299,7 @@
             <a:fld id="{69E57DC2-970A-4B3E-BB1C-7A09969E49DF}" type="slidenum">
               <a:rPr lang="en-US" dirty="0"/>
               <a:pPr/>
-              <a:t>‹N°›</a:t>
+              <a:t>‹#›</a:t>
             </a:fld>
             <a:endParaRPr lang="en-US" dirty="0"/>
           </a:p>
@@ -1615,7 +1620,7 @@
           <a:p>
             <a:fld id="{87DE6118-2437-4B30-8E3C-4D2BE6020583}" type="datetimeFigureOut">
               <a:rPr lang="en-US" dirty="0"/>
-              <a:t>5/25/2022</a:t>
+              <a:t>5/26/22</a:t>
             </a:fld>
             <a:endParaRPr lang="en-US" dirty="0"/>
           </a:p>
@@ -1657,7 +1662,7 @@
           <a:p>
             <a:fld id="{69E57DC2-970A-4B3E-BB1C-7A09969E49DF}" type="slidenum">
               <a:rPr lang="en-US" dirty="0"/>
-              <a:t>‹N°›</a:t>
+              <a:t>‹#›</a:t>
             </a:fld>
             <a:endParaRPr lang="en-US" dirty="0"/>
           </a:p>
@@ -2087,7 +2092,7 @@
           <a:p>
             <a:fld id="{87DE6118-2437-4B30-8E3C-4D2BE6020583}" type="datetimeFigureOut">
               <a:rPr lang="en-US" dirty="0"/>
-              <a:t>5/25/2022</a:t>
+              <a:t>5/26/22</a:t>
             </a:fld>
             <a:endParaRPr lang="en-US" dirty="0"/>
           </a:p>
@@ -2129,7 +2134,7 @@
           <a:p>
             <a:fld id="{69E57DC2-970A-4B3E-BB1C-7A09969E49DF}" type="slidenum">
               <a:rPr lang="en-US" dirty="0"/>
-              <a:t>‹N°›</a:t>
+              <a:t>‹#›</a:t>
             </a:fld>
             <a:endParaRPr lang="en-US" dirty="0"/>
           </a:p>
@@ -2200,7 +2205,7 @@
           <a:p>
             <a:fld id="{87DE6118-2437-4B30-8E3C-4D2BE6020583}" type="datetimeFigureOut">
               <a:rPr lang="en-US" dirty="0"/>
-              <a:t>5/25/2022</a:t>
+              <a:t>5/26/22</a:t>
             </a:fld>
             <a:endParaRPr lang="en-US" dirty="0"/>
           </a:p>
@@ -2242,7 +2247,7 @@
           <a:p>
             <a:fld id="{69E57DC2-970A-4B3E-BB1C-7A09969E49DF}" type="slidenum">
               <a:rPr lang="en-US" dirty="0"/>
-              <a:t>‹N°›</a:t>
+              <a:t>‹#›</a:t>
             </a:fld>
             <a:endParaRPr lang="en-US" dirty="0"/>
           </a:p>
@@ -2290,7 +2295,7 @@
           <a:p>
             <a:fld id="{87DE6118-2437-4B30-8E3C-4D2BE6020583}" type="datetimeFigureOut">
               <a:rPr lang="en-US" dirty="0"/>
-              <a:t>5/25/2022</a:t>
+              <a:t>5/26/22</a:t>
             </a:fld>
             <a:endParaRPr lang="en-US" dirty="0"/>
           </a:p>
@@ -2332,7 +2337,7 @@
           <a:p>
             <a:fld id="{69E57DC2-970A-4B3E-BB1C-7A09969E49DF}" type="slidenum">
               <a:rPr lang="en-US" dirty="0"/>
-              <a:t>‹N°›</a:t>
+              <a:t>‹#›</a:t>
             </a:fld>
             <a:endParaRPr lang="en-US" dirty="0"/>
           </a:p>
@@ -2632,7 +2637,7 @@
             <a:fld id="{87DE6118-2437-4B30-8E3C-4D2BE6020583}" type="datetimeFigureOut">
               <a:rPr lang="en-US" dirty="0"/>
               <a:pPr/>
-              <a:t>5/25/2022</a:t>
+              <a:t>5/26/22</a:t>
             </a:fld>
             <a:endParaRPr lang="en-US" dirty="0"/>
           </a:p>
@@ -2701,7 +2706,7 @@
             <a:fld id="{69E57DC2-970A-4B3E-BB1C-7A09969E49DF}" type="slidenum">
               <a:rPr lang="en-US" dirty="0"/>
               <a:pPr/>
-              <a:t>‹N°›</a:t>
+              <a:t>‹#›</a:t>
             </a:fld>
             <a:endParaRPr lang="en-US" dirty="0"/>
           </a:p>
@@ -3017,7 +3022,7 @@
             <a:fld id="{87DE6118-2437-4B30-8E3C-4D2BE6020583}" type="datetimeFigureOut">
               <a:rPr lang="en-US" dirty="0"/>
               <a:pPr/>
-              <a:t>5/25/2022</a:t>
+              <a:t>5/26/22</a:t>
             </a:fld>
             <a:endParaRPr lang="en-US" dirty="0"/>
           </a:p>
@@ -3086,7 +3091,7 @@
             <a:fld id="{69E57DC2-970A-4B3E-BB1C-7A09969E49DF}" type="slidenum">
               <a:rPr lang="en-US" dirty="0"/>
               <a:pPr/>
-              <a:t>‹N°›</a:t>
+              <a:t>‹#›</a:t>
             </a:fld>
             <a:endParaRPr lang="en-US" dirty="0"/>
           </a:p>
@@ -3292,7 +3297,7 @@
             <a:fld id="{87DE6118-2437-4B30-8E3C-4D2BE6020583}" type="datetimeFigureOut">
               <a:rPr lang="en-US" dirty="0"/>
               <a:pPr/>
-              <a:t>5/25/2022</a:t>
+              <a:t>5/26/22</a:t>
             </a:fld>
             <a:endParaRPr lang="en-US" dirty="0"/>
           </a:p>
@@ -3367,7 +3372,7 @@
             <a:fld id="{69E57DC2-970A-4B3E-BB1C-7A09969E49DF}" type="slidenum">
               <a:rPr lang="en-US" dirty="0"/>
               <a:pPr/>
-              <a:t>‹N°›</a:t>
+              <a:t>‹#›</a:t>
             </a:fld>
             <a:endParaRPr lang="en-US" dirty="0"/>
           </a:p>
@@ -4231,7 +4236,7 @@
           <a:bodyPr/>
           <a:lstStyle/>
           <a:p>
-            <a:endParaRPr lang="fr-FR"/>
+            <a:endParaRPr lang="fr-FR" dirty="0"/>
           </a:p>
         </p:txBody>
       </p:sp>
@@ -4364,7 +4369,7 @@
             </a:r>
             <a:r>
               <a:rPr lang="fr-FR" dirty="0" err="1"/>
-              <a:t>play</a:t>
+              <a:t>plays</a:t>
             </a:r>
             <a:r>
               <a:rPr lang="fr-FR" dirty="0"/>

--- a/Various materials/Ecogame.pptx
+++ b/Various materials/Ecogame.pptx
@@ -11,10 +11,11 @@
     <p:sldId id="260" r:id="rId5"/>
     <p:sldId id="261" r:id="rId6"/>
     <p:sldId id="262" r:id="rId7"/>
-    <p:sldId id="259" r:id="rId8"/>
-    <p:sldId id="263" r:id="rId9"/>
-    <p:sldId id="264" r:id="rId10"/>
-    <p:sldId id="265" r:id="rId11"/>
+    <p:sldId id="267" r:id="rId8"/>
+    <p:sldId id="259" r:id="rId9"/>
+    <p:sldId id="263" r:id="rId10"/>
+    <p:sldId id="264" r:id="rId11"/>
+    <p:sldId id="265" r:id="rId12"/>
   </p:sldIdLst>
   <p:sldSz cx="12192000" cy="6858000"/>
   <p:notesSz cx="6858000" cy="9144000"/>
@@ -291,7 +292,7 @@
             <a:fld id="{87DE6118-2437-4B30-8E3C-4D2BE6020583}" type="datetimeFigureOut">
               <a:rPr lang="en-US" dirty="0"/>
               <a:pPr/>
-              <a:t>5/26/22</a:t>
+              <a:t>5/27/2022</a:t>
             </a:fld>
             <a:endParaRPr lang="en-US" dirty="0"/>
           </a:p>
@@ -360,7 +361,7 @@
             <a:fld id="{69E57DC2-970A-4B3E-BB1C-7A09969E49DF}" type="slidenum">
               <a:rPr lang="en-US" dirty="0"/>
               <a:pPr/>
-              <a:t>‹#›</a:t>
+              <a:t>‹N°›</a:t>
             </a:fld>
             <a:endParaRPr lang="en-US" dirty="0"/>
           </a:p>
@@ -617,7 +618,7 @@
           <a:p>
             <a:fld id="{87DE6118-2437-4B30-8E3C-4D2BE6020583}" type="datetimeFigureOut">
               <a:rPr lang="en-US" dirty="0"/>
-              <a:t>5/26/22</a:t>
+              <a:t>5/27/2022</a:t>
             </a:fld>
             <a:endParaRPr lang="en-US" dirty="0"/>
           </a:p>
@@ -659,7 +660,7 @@
           <a:p>
             <a:fld id="{69E57DC2-970A-4B3E-BB1C-7A09969E49DF}" type="slidenum">
               <a:rPr lang="en-US" dirty="0"/>
-              <a:t>‹#›</a:t>
+              <a:t>‹N°›</a:t>
             </a:fld>
             <a:endParaRPr lang="en-US" dirty="0"/>
           </a:p>
@@ -792,7 +793,7 @@
           <a:p>
             <a:fld id="{87DE6118-2437-4B30-8E3C-4D2BE6020583}" type="datetimeFigureOut">
               <a:rPr lang="en-US" dirty="0"/>
-              <a:t>5/26/22</a:t>
+              <a:t>5/27/2022</a:t>
             </a:fld>
             <a:endParaRPr lang="en-US" dirty="0"/>
           </a:p>
@@ -834,7 +835,7 @@
           <a:p>
             <a:fld id="{69E57DC2-970A-4B3E-BB1C-7A09969E49DF}" type="slidenum">
               <a:rPr lang="en-US" dirty="0"/>
-              <a:t>‹#›</a:t>
+              <a:t>‹N°›</a:t>
             </a:fld>
             <a:endParaRPr lang="en-US" dirty="0"/>
           </a:p>
@@ -957,7 +958,7 @@
           <a:p>
             <a:fld id="{87DE6118-2437-4B30-8E3C-4D2BE6020583}" type="datetimeFigureOut">
               <a:rPr lang="en-US" dirty="0"/>
-              <a:t>5/26/22</a:t>
+              <a:t>5/27/2022</a:t>
             </a:fld>
             <a:endParaRPr lang="en-US" dirty="0"/>
           </a:p>
@@ -999,7 +1000,7 @@
           <a:p>
             <a:fld id="{69E57DC2-970A-4B3E-BB1C-7A09969E49DF}" type="slidenum">
               <a:rPr lang="en-US" dirty="0"/>
-              <a:t>‹#›</a:t>
+              <a:t>‹N°›</a:t>
             </a:fld>
             <a:endParaRPr lang="en-US" dirty="0"/>
           </a:p>
@@ -1230,7 +1231,7 @@
             <a:fld id="{87DE6118-2437-4B30-8E3C-4D2BE6020583}" type="datetimeFigureOut">
               <a:rPr lang="en-US" dirty="0"/>
               <a:pPr/>
-              <a:t>5/26/22</a:t>
+              <a:t>5/27/2022</a:t>
             </a:fld>
             <a:endParaRPr lang="en-US" dirty="0"/>
           </a:p>
@@ -1299,7 +1300,7 @@
             <a:fld id="{69E57DC2-970A-4B3E-BB1C-7A09969E49DF}" type="slidenum">
               <a:rPr lang="en-US" dirty="0"/>
               <a:pPr/>
-              <a:t>‹#›</a:t>
+              <a:t>‹N°›</a:t>
             </a:fld>
             <a:endParaRPr lang="en-US" dirty="0"/>
           </a:p>
@@ -1620,7 +1621,7 @@
           <a:p>
             <a:fld id="{87DE6118-2437-4B30-8E3C-4D2BE6020583}" type="datetimeFigureOut">
               <a:rPr lang="en-US" dirty="0"/>
-              <a:t>5/26/22</a:t>
+              <a:t>5/27/2022</a:t>
             </a:fld>
             <a:endParaRPr lang="en-US" dirty="0"/>
           </a:p>
@@ -1662,7 +1663,7 @@
           <a:p>
             <a:fld id="{69E57DC2-970A-4B3E-BB1C-7A09969E49DF}" type="slidenum">
               <a:rPr lang="en-US" dirty="0"/>
-              <a:t>‹#›</a:t>
+              <a:t>‹N°›</a:t>
             </a:fld>
             <a:endParaRPr lang="en-US" dirty="0"/>
           </a:p>
@@ -2092,7 +2093,7 @@
           <a:p>
             <a:fld id="{87DE6118-2437-4B30-8E3C-4D2BE6020583}" type="datetimeFigureOut">
               <a:rPr lang="en-US" dirty="0"/>
-              <a:t>5/26/22</a:t>
+              <a:t>5/27/2022</a:t>
             </a:fld>
             <a:endParaRPr lang="en-US" dirty="0"/>
           </a:p>
@@ -2134,7 +2135,7 @@
           <a:p>
             <a:fld id="{69E57DC2-970A-4B3E-BB1C-7A09969E49DF}" type="slidenum">
               <a:rPr lang="en-US" dirty="0"/>
-              <a:t>‹#›</a:t>
+              <a:t>‹N°›</a:t>
             </a:fld>
             <a:endParaRPr lang="en-US" dirty="0"/>
           </a:p>
@@ -2205,7 +2206,7 @@
           <a:p>
             <a:fld id="{87DE6118-2437-4B30-8E3C-4D2BE6020583}" type="datetimeFigureOut">
               <a:rPr lang="en-US" dirty="0"/>
-              <a:t>5/26/22</a:t>
+              <a:t>5/27/2022</a:t>
             </a:fld>
             <a:endParaRPr lang="en-US" dirty="0"/>
           </a:p>
@@ -2247,7 +2248,7 @@
           <a:p>
             <a:fld id="{69E57DC2-970A-4B3E-BB1C-7A09969E49DF}" type="slidenum">
               <a:rPr lang="en-US" dirty="0"/>
-              <a:t>‹#›</a:t>
+              <a:t>‹N°›</a:t>
             </a:fld>
             <a:endParaRPr lang="en-US" dirty="0"/>
           </a:p>
@@ -2295,7 +2296,7 @@
           <a:p>
             <a:fld id="{87DE6118-2437-4B30-8E3C-4D2BE6020583}" type="datetimeFigureOut">
               <a:rPr lang="en-US" dirty="0"/>
-              <a:t>5/26/22</a:t>
+              <a:t>5/27/2022</a:t>
             </a:fld>
             <a:endParaRPr lang="en-US" dirty="0"/>
           </a:p>
@@ -2337,7 +2338,7 @@
           <a:p>
             <a:fld id="{69E57DC2-970A-4B3E-BB1C-7A09969E49DF}" type="slidenum">
               <a:rPr lang="en-US" dirty="0"/>
-              <a:t>‹#›</a:t>
+              <a:t>‹N°›</a:t>
             </a:fld>
             <a:endParaRPr lang="en-US" dirty="0"/>
           </a:p>
@@ -2637,7 +2638,7 @@
             <a:fld id="{87DE6118-2437-4B30-8E3C-4D2BE6020583}" type="datetimeFigureOut">
               <a:rPr lang="en-US" dirty="0"/>
               <a:pPr/>
-              <a:t>5/26/22</a:t>
+              <a:t>5/27/2022</a:t>
             </a:fld>
             <a:endParaRPr lang="en-US" dirty="0"/>
           </a:p>
@@ -2706,7 +2707,7 @@
             <a:fld id="{69E57DC2-970A-4B3E-BB1C-7A09969E49DF}" type="slidenum">
               <a:rPr lang="en-US" dirty="0"/>
               <a:pPr/>
-              <a:t>‹#›</a:t>
+              <a:t>‹N°›</a:t>
             </a:fld>
             <a:endParaRPr lang="en-US" dirty="0"/>
           </a:p>
@@ -3022,7 +3023,7 @@
             <a:fld id="{87DE6118-2437-4B30-8E3C-4D2BE6020583}" type="datetimeFigureOut">
               <a:rPr lang="en-US" dirty="0"/>
               <a:pPr/>
-              <a:t>5/26/22</a:t>
+              <a:t>5/27/2022</a:t>
             </a:fld>
             <a:endParaRPr lang="en-US" dirty="0"/>
           </a:p>
@@ -3091,7 +3092,7 @@
             <a:fld id="{69E57DC2-970A-4B3E-BB1C-7A09969E49DF}" type="slidenum">
               <a:rPr lang="en-US" dirty="0"/>
               <a:pPr/>
-              <a:t>‹#›</a:t>
+              <a:t>‹N°›</a:t>
             </a:fld>
             <a:endParaRPr lang="en-US" dirty="0"/>
           </a:p>
@@ -3297,7 +3298,7 @@
             <a:fld id="{87DE6118-2437-4B30-8E3C-4D2BE6020583}" type="datetimeFigureOut">
               <a:rPr lang="en-US" dirty="0"/>
               <a:pPr/>
-              <a:t>5/26/22</a:t>
+              <a:t>5/27/2022</a:t>
             </a:fld>
             <a:endParaRPr lang="en-US" dirty="0"/>
           </a:p>
@@ -3372,7 +3373,7 @@
             <a:fld id="{69E57DC2-970A-4B3E-BB1C-7A09969E49DF}" type="slidenum">
               <a:rPr lang="en-US" dirty="0"/>
               <a:pPr/>
-              <a:t>‹#›</a:t>
+              <a:t>‹N°›</a:t>
             </a:fld>
             <a:endParaRPr lang="en-US" dirty="0"/>
           </a:p>
@@ -3964,17 +3965,19 @@
         </p:nvSpPr>
         <p:spPr>
           <a:xfrm>
-            <a:off x="1245765" y="1627465"/>
-            <a:ext cx="4567806" cy="4508383"/>
-          </a:xfrm>
-        </p:spPr>
-        <p:txBody>
-          <a:bodyPr/>
+            <a:off x="1371600" y="1057013"/>
+            <a:ext cx="9601200" cy="847287"/>
+          </a:xfrm>
+        </p:spPr>
+        <p:txBody>
+          <a:bodyPr>
+            <a:normAutofit fontScale="85000" lnSpcReduction="20000"/>
+          </a:bodyPr>
           <a:lstStyle/>
           <a:p>
             <a:r>
               <a:rPr lang="fr-FR" dirty="0"/>
-              <a:t>Second, the </a:t>
+              <a:t>The </a:t>
             </a:r>
             <a:r>
               <a:rPr lang="fr-FR" dirty="0" err="1"/>
@@ -3990,170 +3993,354 @@
             </a:r>
             <a:r>
               <a:rPr lang="fr-FR" dirty="0"/>
-              <a:t> </a:t>
-            </a:r>
-            <a:r>
-              <a:rPr lang="fr-FR" dirty="0" err="1"/>
-              <a:t>be</a:t>
-            </a:r>
-            <a:r>
-              <a:rPr lang="fr-FR" dirty="0"/>
-              <a:t> able to </a:t>
-            </a:r>
-            <a:r>
-              <a:rPr lang="fr-FR" dirty="0" err="1"/>
-              <a:t>navigate</a:t>
-            </a:r>
-            <a:r>
-              <a:rPr lang="fr-FR" dirty="0"/>
-              <a:t> </a:t>
-            </a:r>
-            <a:r>
-              <a:rPr lang="fr-FR" dirty="0" err="1"/>
-              <a:t>between</a:t>
-            </a:r>
-            <a:r>
-              <a:rPr lang="fr-FR" dirty="0"/>
-              <a:t> </a:t>
-            </a:r>
-            <a:r>
-              <a:rPr lang="fr-FR" dirty="0" err="1"/>
-              <a:t>different</a:t>
-            </a:r>
-            <a:r>
-              <a:rPr lang="fr-FR" dirty="0"/>
-              <a:t> </a:t>
-            </a:r>
-            <a:r>
-              <a:rPr lang="fr-FR" dirty="0" err="1"/>
-              <a:t>representation</a:t>
-            </a:r>
-            <a:r>
-              <a:rPr lang="fr-FR" dirty="0"/>
-              <a:t> of the </a:t>
-            </a:r>
-            <a:r>
-              <a:rPr lang="fr-FR" dirty="0" err="1"/>
-              <a:t>territory</a:t>
-            </a:r>
-            <a:r>
-              <a:rPr lang="fr-FR" dirty="0"/>
-              <a:t> </a:t>
-            </a:r>
-            <a:r>
-              <a:rPr lang="fr-FR" dirty="0" err="1"/>
-              <a:t>through</a:t>
-            </a:r>
-            <a:r>
-              <a:rPr lang="fr-FR" dirty="0"/>
-              <a:t> 4 </a:t>
-            </a:r>
-            <a:r>
-              <a:rPr lang="fr-FR" dirty="0" err="1"/>
-              <a:t>maps</a:t>
-            </a:r>
-            <a:r>
-              <a:rPr lang="fr-FR" dirty="0"/>
-              <a:t> :</a:t>
-            </a:r>
-          </a:p>
-          <a:p>
-            <a:pPr lvl="1"/>
-            <a:r>
-              <a:rPr lang="fr-FR" dirty="0"/>
-              <a:t>Global pollution location </a:t>
-            </a:r>
-          </a:p>
-          <a:p>
-            <a:pPr lvl="1"/>
-            <a:r>
-              <a:rPr lang="fr-FR" dirty="0"/>
-              <a:t>Solid </a:t>
-            </a:r>
-            <a:r>
-              <a:rPr lang="fr-FR" dirty="0" err="1"/>
-              <a:t>waste</a:t>
-            </a:r>
-            <a:r>
-              <a:rPr lang="fr-FR" dirty="0"/>
-              <a:t> pollution </a:t>
-            </a:r>
-          </a:p>
-          <a:p>
-            <a:pPr lvl="1"/>
-            <a:r>
-              <a:rPr lang="fr-FR" dirty="0" err="1"/>
-              <a:t>Canals</a:t>
-            </a:r>
-            <a:r>
-              <a:rPr lang="fr-FR" dirty="0"/>
-              <a:t> pollution </a:t>
-            </a:r>
-          </a:p>
-          <a:p>
-            <a:pPr lvl="1"/>
-            <a:r>
-              <a:rPr lang="fr-FR" dirty="0"/>
-              <a:t>Production </a:t>
-            </a:r>
-            <a:r>
-              <a:rPr lang="fr-FR" dirty="0" err="1"/>
-              <a:t>map</a:t>
+              <a:t> have </a:t>
+            </a:r>
+            <a:r>
+              <a:rPr lang="fr-FR" dirty="0" err="1"/>
+              <a:t>several</a:t>
+            </a:r>
+            <a:r>
+              <a:rPr lang="fr-FR" dirty="0"/>
+              <a:t> </a:t>
+            </a:r>
+            <a:r>
+              <a:rPr lang="fr-FR" dirty="0" err="1"/>
+              <a:t>pieces</a:t>
+            </a:r>
+            <a:r>
+              <a:rPr lang="fr-FR" dirty="0"/>
+              <a:t> of information to guide </a:t>
+            </a:r>
+            <a:r>
+              <a:rPr lang="fr-FR" dirty="0" err="1"/>
+              <a:t>their</a:t>
+            </a:r>
+            <a:r>
+              <a:rPr lang="fr-FR" dirty="0"/>
+              <a:t> </a:t>
+            </a:r>
+            <a:r>
+              <a:rPr lang="fr-FR" dirty="0" err="1"/>
+              <a:t>choice</a:t>
             </a:r>
             <a:endParaRPr lang="fr-FR" dirty="0"/>
           </a:p>
-        </p:txBody>
-      </p:sp>
-      <p:sp>
-        <p:nvSpPr>
-          <p:cNvPr id="4" name="ZoneTexte 3">
+          <a:p>
+            <a:r>
+              <a:rPr lang="fr-FR" dirty="0"/>
+              <a:t>First, </a:t>
+            </a:r>
+            <a:r>
+              <a:rPr lang="fr-FR" dirty="0" err="1"/>
+              <a:t>they</a:t>
+            </a:r>
+            <a:r>
+              <a:rPr lang="fr-FR" dirty="0"/>
+              <a:t> </a:t>
+            </a:r>
+            <a:r>
+              <a:rPr lang="fr-FR" dirty="0" err="1"/>
+              <a:t>will</a:t>
+            </a:r>
+            <a:r>
+              <a:rPr lang="fr-FR" dirty="0"/>
+              <a:t> have </a:t>
+            </a:r>
+            <a:r>
+              <a:rPr lang="fr-FR" dirty="0" err="1"/>
+              <a:t>access</a:t>
+            </a:r>
+            <a:r>
+              <a:rPr lang="fr-FR" dirty="0"/>
+              <a:t> to the pollution and production of </a:t>
+            </a:r>
+            <a:r>
+              <a:rPr lang="fr-FR" dirty="0" err="1"/>
+              <a:t>each</a:t>
+            </a:r>
+            <a:r>
+              <a:rPr lang="fr-FR" dirty="0"/>
+              <a:t> village (</a:t>
+            </a:r>
+            <a:r>
+              <a:rPr lang="fr-FR" dirty="0" err="1"/>
+              <a:t>individual</a:t>
+            </a:r>
+            <a:r>
+              <a:rPr lang="fr-FR" dirty="0"/>
+              <a:t> </a:t>
+            </a:r>
+            <a:r>
+              <a:rPr lang="fr-FR" dirty="0" err="1"/>
+              <a:t>indicators</a:t>
+            </a:r>
+            <a:r>
+              <a:rPr lang="fr-FR" dirty="0"/>
+              <a:t>) and of the commune (global </a:t>
+            </a:r>
+            <a:r>
+              <a:rPr lang="fr-FR" dirty="0" err="1"/>
+              <a:t>indicators</a:t>
+            </a:r>
+            <a:r>
+              <a:rPr lang="fr-FR" dirty="0"/>
+              <a:t>)</a:t>
+            </a:r>
+          </a:p>
+        </p:txBody>
+      </p:sp>
+      <p:pic>
+        <p:nvPicPr>
+          <p:cNvPr id="6" name="Image 5">
             <a:extLst>
               <a:ext uri="{FF2B5EF4-FFF2-40B4-BE49-F238E27FC236}">
-                <a16:creationId xmlns:a16="http://schemas.microsoft.com/office/drawing/2014/main" id="{56DDD080-0607-51C9-8293-54F16E3840C3}"/>
+                <a16:creationId xmlns:a16="http://schemas.microsoft.com/office/drawing/2014/main" id="{01A8131E-9E43-F295-6898-EDCBF2445F20}"/>
               </a:ext>
             </a:extLst>
           </p:cNvPr>
-          <p:cNvSpPr txBox="1"/>
+          <p:cNvPicPr>
+            <a:picLocks noChangeAspect="1"/>
+          </p:cNvPicPr>
           <p:nvPr/>
-        </p:nvSpPr>
-        <p:spPr>
-          <a:xfrm>
-            <a:off x="8682605" y="2782669"/>
-            <a:ext cx="1577130" cy="646331"/>
+        </p:nvPicPr>
+        <p:blipFill>
+          <a:blip r:embed="rId2"/>
+          <a:stretch>
+            <a:fillRect/>
+          </a:stretch>
+        </p:blipFill>
+        <p:spPr>
+          <a:xfrm>
+            <a:off x="1503158" y="1957515"/>
+            <a:ext cx="9338084" cy="4617356"/>
           </a:xfrm>
           <a:prstGeom prst="rect">
             <a:avLst/>
           </a:prstGeom>
-          <a:noFill/>
-        </p:spPr>
-        <p:txBody>
-          <a:bodyPr wrap="square" rtlCol="0">
-            <a:spAutoFit/>
-          </a:bodyPr>
+        </p:spPr>
+      </p:pic>
+    </p:spTree>
+    <p:extLst>
+      <p:ext uri="{BB962C8B-B14F-4D97-AF65-F5344CB8AC3E}">
+        <p14:creationId xmlns:p14="http://schemas.microsoft.com/office/powerpoint/2010/main" val="1842238525"/>
+      </p:ext>
+    </p:extLst>
+  </p:cSld>
+  <p:clrMapOvr>
+    <a:masterClrMapping/>
+  </p:clrMapOvr>
+</p:sld>
+</file>
+
+<file path=ppt/slides/slide11.xml><?xml version="1.0" encoding="utf-8"?>
+<p:sld xmlns:a="http://schemas.openxmlformats.org/drawingml/2006/main" xmlns:r="http://schemas.openxmlformats.org/officeDocument/2006/relationships" xmlns:p="http://schemas.openxmlformats.org/presentationml/2006/main">
+  <p:cSld>
+    <p:spTree>
+      <p:nvGrpSpPr>
+        <p:cNvPr id="1" name=""/>
+        <p:cNvGrpSpPr/>
+        <p:nvPr/>
+      </p:nvGrpSpPr>
+      <p:grpSpPr>
+        <a:xfrm>
+          <a:off x="0" y="0"/>
+          <a:ext cx="0" cy="0"/>
+          <a:chOff x="0" y="0"/>
+          <a:chExt cx="0" cy="0"/>
+        </a:xfrm>
+      </p:grpSpPr>
+      <p:sp>
+        <p:nvSpPr>
+          <p:cNvPr id="2" name="Titre 1">
+            <a:extLst>
+              <a:ext uri="{FF2B5EF4-FFF2-40B4-BE49-F238E27FC236}">
+                <a16:creationId xmlns:a16="http://schemas.microsoft.com/office/drawing/2014/main" id="{23365CCF-1CC7-0D33-2234-DE43225D805E}"/>
+              </a:ext>
+            </a:extLst>
+          </p:cNvPr>
+          <p:cNvSpPr>
+            <a:spLocks noGrp="1"/>
+          </p:cNvSpPr>
+          <p:nvPr>
+            <p:ph type="title"/>
+          </p:nvPr>
+        </p:nvSpPr>
+        <p:spPr>
+          <a:xfrm>
+            <a:off x="1371600" y="283129"/>
+            <a:ext cx="9601200" cy="773884"/>
+          </a:xfrm>
+        </p:spPr>
+        <p:txBody>
+          <a:bodyPr/>
           <a:lstStyle/>
           <a:p>
-            <a:pPr algn="ctr"/>
-            <a:r>
-              <a:rPr lang="fr-FR" dirty="0">
-                <a:highlight>
-                  <a:srgbClr val="FFFF00"/>
-                </a:highlight>
-              </a:rPr>
-              <a:t>Insert image of the 4 </a:t>
-            </a:r>
-            <a:r>
-              <a:rPr lang="fr-FR" dirty="0" err="1">
-                <a:highlight>
-                  <a:srgbClr val="FFFF00"/>
-                </a:highlight>
-              </a:rPr>
+            <a:r>
+              <a:rPr lang="fr-FR" dirty="0" err="1"/>
+              <a:t>Maps</a:t>
+            </a:r>
+            <a:r>
+              <a:rPr lang="fr-FR" dirty="0"/>
+              <a:t> and displays</a:t>
+            </a:r>
+          </a:p>
+        </p:txBody>
+      </p:sp>
+      <p:sp>
+        <p:nvSpPr>
+          <p:cNvPr id="3" name="Espace réservé du contenu 2">
+            <a:extLst>
+              <a:ext uri="{FF2B5EF4-FFF2-40B4-BE49-F238E27FC236}">
+                <a16:creationId xmlns:a16="http://schemas.microsoft.com/office/drawing/2014/main" id="{2419810E-CF30-D3BC-9C75-12F3951E0880}"/>
+              </a:ext>
+            </a:extLst>
+          </p:cNvPr>
+          <p:cNvSpPr>
+            <a:spLocks noGrp="1"/>
+          </p:cNvSpPr>
+          <p:nvPr>
+            <p:ph idx="1"/>
+          </p:nvPr>
+        </p:nvSpPr>
+        <p:spPr>
+          <a:xfrm>
+            <a:off x="1245765" y="1627465"/>
+            <a:ext cx="10414932" cy="4508383"/>
+          </a:xfrm>
+        </p:spPr>
+        <p:txBody>
+          <a:bodyPr/>
+          <a:lstStyle/>
+          <a:p>
+            <a:r>
+              <a:rPr lang="fr-FR" dirty="0"/>
+              <a:t>Second, the </a:t>
+            </a:r>
+            <a:r>
+              <a:rPr lang="fr-FR" dirty="0" err="1"/>
+              <a:t>players</a:t>
+            </a:r>
+            <a:r>
+              <a:rPr lang="fr-FR" dirty="0"/>
+              <a:t> </a:t>
+            </a:r>
+            <a:r>
+              <a:rPr lang="fr-FR" dirty="0" err="1"/>
+              <a:t>will</a:t>
+            </a:r>
+            <a:r>
+              <a:rPr lang="fr-FR" dirty="0"/>
+              <a:t> </a:t>
+            </a:r>
+            <a:r>
+              <a:rPr lang="fr-FR" dirty="0" err="1"/>
+              <a:t>be</a:t>
+            </a:r>
+            <a:r>
+              <a:rPr lang="fr-FR" dirty="0"/>
+              <a:t> able to </a:t>
+            </a:r>
+            <a:r>
+              <a:rPr lang="fr-FR" dirty="0" err="1"/>
+              <a:t>navigate</a:t>
+            </a:r>
+            <a:r>
+              <a:rPr lang="fr-FR" dirty="0"/>
+              <a:t> </a:t>
+            </a:r>
+            <a:r>
+              <a:rPr lang="fr-FR" dirty="0" err="1"/>
+              <a:t>between</a:t>
+            </a:r>
+            <a:r>
+              <a:rPr lang="fr-FR" dirty="0"/>
+              <a:t> </a:t>
+            </a:r>
+            <a:r>
+              <a:rPr lang="fr-FR" dirty="0" err="1"/>
+              <a:t>different</a:t>
+            </a:r>
+            <a:r>
+              <a:rPr lang="fr-FR" dirty="0"/>
+              <a:t> </a:t>
+            </a:r>
+            <a:r>
+              <a:rPr lang="fr-FR" dirty="0" err="1"/>
+              <a:t>representation</a:t>
+            </a:r>
+            <a:r>
+              <a:rPr lang="fr-FR" dirty="0"/>
+              <a:t> of the </a:t>
+            </a:r>
+            <a:r>
+              <a:rPr lang="fr-FR" dirty="0" err="1"/>
+              <a:t>territory</a:t>
+            </a:r>
+            <a:r>
+              <a:rPr lang="fr-FR" dirty="0"/>
+              <a:t> </a:t>
+            </a:r>
+            <a:r>
+              <a:rPr lang="fr-FR" dirty="0" err="1"/>
+              <a:t>through</a:t>
+            </a:r>
+            <a:r>
+              <a:rPr lang="fr-FR" dirty="0"/>
+              <a:t> 4 </a:t>
+            </a:r>
+            <a:r>
+              <a:rPr lang="fr-FR" dirty="0" err="1"/>
               <a:t>maps</a:t>
             </a:r>
-            <a:endParaRPr lang="fr-FR" dirty="0">
-              <a:highlight>
-                <a:srgbClr val="FFFF00"/>
-              </a:highlight>
-            </a:endParaRPr>
+            <a:r>
+              <a:rPr lang="fr-FR" dirty="0"/>
+              <a:t> :</a:t>
+            </a:r>
+          </a:p>
+          <a:p>
+            <a:pPr lvl="1"/>
+            <a:r>
+              <a:rPr lang="fr-FR" dirty="0"/>
+              <a:t>Global pollution location </a:t>
+            </a:r>
+          </a:p>
+          <a:p>
+            <a:pPr lvl="1"/>
+            <a:r>
+              <a:rPr lang="fr-FR" dirty="0"/>
+              <a:t>Solid </a:t>
+            </a:r>
+            <a:r>
+              <a:rPr lang="fr-FR" dirty="0" err="1"/>
+              <a:t>waste</a:t>
+            </a:r>
+            <a:r>
+              <a:rPr lang="fr-FR" dirty="0"/>
+              <a:t> pollution </a:t>
+            </a:r>
+          </a:p>
+          <a:p>
+            <a:pPr lvl="1"/>
+            <a:r>
+              <a:rPr lang="fr-FR" dirty="0" err="1"/>
+              <a:t>Canals</a:t>
+            </a:r>
+            <a:r>
+              <a:rPr lang="fr-FR" dirty="0"/>
+              <a:t> pollution </a:t>
+            </a:r>
+          </a:p>
+          <a:p>
+            <a:pPr lvl="1"/>
+            <a:r>
+              <a:rPr lang="fr-FR" dirty="0"/>
+              <a:t>Production </a:t>
+            </a:r>
+            <a:r>
+              <a:rPr lang="fr-FR" dirty="0" err="1"/>
+              <a:t>map</a:t>
+            </a:r>
+            <a:endParaRPr lang="fr-FR" dirty="0"/>
           </a:p>
         </p:txBody>
       </p:sp>
@@ -4203,7 +4390,12 @@
             <p:ph type="title"/>
           </p:nvPr>
         </p:nvSpPr>
-        <p:spPr/>
+        <p:spPr>
+          <a:xfrm>
+            <a:off x="1371600" y="341852"/>
+            <a:ext cx="9601200" cy="731939"/>
+          </a:xfrm>
+        </p:spPr>
         <p:txBody>
           <a:bodyPr/>
           <a:lstStyle/>
@@ -4231,12 +4423,466 @@
             <p:ph idx="1"/>
           </p:nvPr>
         </p:nvSpPr>
-        <p:spPr/>
+        <p:spPr>
+          <a:xfrm>
+            <a:off x="1371600" y="1241571"/>
+            <a:ext cx="9601200" cy="4625829"/>
+          </a:xfrm>
+        </p:spPr>
         <p:txBody>
           <a:bodyPr/>
           <a:lstStyle/>
           <a:p>
+            <a:r>
+              <a:rPr lang="fr-FR" dirty="0" err="1"/>
+              <a:t>EcoGame</a:t>
+            </a:r>
+            <a:r>
+              <a:rPr lang="fr-FR" dirty="0"/>
+              <a:t> </a:t>
+            </a:r>
+            <a:r>
+              <a:rPr lang="fr-FR" dirty="0" err="1"/>
+              <a:t>puts</a:t>
+            </a:r>
+            <a:r>
+              <a:rPr lang="fr-FR" dirty="0"/>
+              <a:t> </a:t>
+            </a:r>
+            <a:r>
+              <a:rPr lang="fr-FR" dirty="0" err="1"/>
+              <a:t>you</a:t>
+            </a:r>
+            <a:r>
+              <a:rPr lang="fr-FR" dirty="0"/>
+              <a:t> in the place of four villages’ </a:t>
+            </a:r>
+            <a:r>
+              <a:rPr lang="fr-FR" dirty="0" err="1"/>
+              <a:t>head</a:t>
+            </a:r>
+            <a:r>
+              <a:rPr lang="fr-FR" dirty="0"/>
+              <a:t>. You have the </a:t>
+            </a:r>
+            <a:r>
+              <a:rPr lang="fr-FR" dirty="0" err="1"/>
+              <a:t>role</a:t>
+            </a:r>
+            <a:r>
+              <a:rPr lang="fr-FR" dirty="0"/>
+              <a:t> to </a:t>
+            </a:r>
+            <a:r>
+              <a:rPr lang="fr-FR" dirty="0" err="1"/>
+              <a:t>take</a:t>
+            </a:r>
+            <a:r>
+              <a:rPr lang="fr-FR" dirty="0"/>
+              <a:t> </a:t>
+            </a:r>
+            <a:r>
+              <a:rPr lang="fr-FR" dirty="0" err="1"/>
+              <a:t>decisions</a:t>
+            </a:r>
+            <a:r>
+              <a:rPr lang="fr-FR" dirty="0"/>
+              <a:t> </a:t>
+            </a:r>
+            <a:r>
+              <a:rPr lang="fr-FR" dirty="0" err="1"/>
+              <a:t>regarding</a:t>
+            </a:r>
+            <a:r>
+              <a:rPr lang="fr-FR" dirty="0"/>
+              <a:t> </a:t>
+            </a:r>
+            <a:r>
+              <a:rPr lang="fr-FR" dirty="0" err="1"/>
+              <a:t>your</a:t>
+            </a:r>
+            <a:r>
+              <a:rPr lang="fr-FR" dirty="0"/>
+              <a:t> village, </a:t>
+            </a:r>
+            <a:r>
+              <a:rPr lang="fr-FR" dirty="0" err="1"/>
+              <a:t>especially</a:t>
+            </a:r>
+            <a:r>
+              <a:rPr lang="fr-FR" dirty="0"/>
+              <a:t> </a:t>
+            </a:r>
+            <a:r>
+              <a:rPr lang="fr-FR" dirty="0" err="1"/>
+              <a:t>when</a:t>
+            </a:r>
+            <a:r>
+              <a:rPr lang="fr-FR" dirty="0"/>
+              <a:t> </a:t>
+            </a:r>
+            <a:r>
+              <a:rPr lang="fr-FR" dirty="0" err="1"/>
+              <a:t>it</a:t>
+            </a:r>
+            <a:r>
+              <a:rPr lang="fr-FR" dirty="0"/>
+              <a:t> </a:t>
+            </a:r>
+            <a:r>
+              <a:rPr lang="fr-FR" dirty="0" err="1"/>
+              <a:t>comes</a:t>
+            </a:r>
+            <a:r>
+              <a:rPr lang="fr-FR" dirty="0"/>
+              <a:t> to agricultural production and pollution</a:t>
+            </a:r>
+          </a:p>
+          <a:p>
+            <a:r>
+              <a:rPr lang="fr-FR" dirty="0" err="1"/>
+              <a:t>Your</a:t>
+            </a:r>
+            <a:r>
+              <a:rPr lang="fr-FR" dirty="0"/>
+              <a:t> four villages are </a:t>
+            </a:r>
+            <a:r>
+              <a:rPr lang="fr-FR" dirty="0" err="1"/>
+              <a:t>regrouped</a:t>
+            </a:r>
+            <a:r>
+              <a:rPr lang="fr-FR" dirty="0"/>
+              <a:t> in a commune on </a:t>
+            </a:r>
+            <a:r>
+              <a:rPr lang="fr-FR" dirty="0" err="1"/>
+              <a:t>which</a:t>
+            </a:r>
+            <a:r>
+              <a:rPr lang="fr-FR" dirty="0"/>
+              <a:t> the main </a:t>
+            </a:r>
+            <a:r>
+              <a:rPr lang="fr-FR" dirty="0" err="1"/>
+              <a:t>economic</a:t>
+            </a:r>
+            <a:r>
+              <a:rPr lang="fr-FR" dirty="0"/>
+              <a:t> </a:t>
+            </a:r>
+            <a:r>
+              <a:rPr lang="fr-FR" dirty="0" err="1"/>
+              <a:t>strength</a:t>
+            </a:r>
+            <a:r>
+              <a:rPr lang="fr-FR" dirty="0"/>
+              <a:t> </a:t>
+            </a:r>
+            <a:r>
+              <a:rPr lang="fr-FR" dirty="0" err="1"/>
+              <a:t>is</a:t>
+            </a:r>
+            <a:r>
+              <a:rPr lang="fr-FR" dirty="0"/>
+              <a:t> </a:t>
+            </a:r>
+            <a:r>
+              <a:rPr lang="fr-FR" dirty="0" err="1"/>
+              <a:t>its</a:t>
+            </a:r>
+            <a:r>
+              <a:rPr lang="fr-FR" dirty="0"/>
+              <a:t> agricultural production</a:t>
+            </a:r>
+          </a:p>
+          <a:p>
+            <a:r>
+              <a:rPr lang="fr-FR" dirty="0"/>
+              <a:t>You are sharing the </a:t>
+            </a:r>
+            <a:r>
+              <a:rPr lang="fr-FR" dirty="0" err="1"/>
+              <a:t>territory</a:t>
+            </a:r>
+            <a:r>
+              <a:rPr lang="fr-FR" dirty="0"/>
+              <a:t> of an </a:t>
+            </a:r>
+            <a:r>
+              <a:rPr lang="fr-FR" dirty="0" err="1"/>
+              <a:t>imaginary</a:t>
+            </a:r>
+            <a:r>
+              <a:rPr lang="fr-FR" dirty="0"/>
+              <a:t> commune on </a:t>
+            </a:r>
+            <a:r>
+              <a:rPr lang="fr-FR" dirty="0" err="1"/>
+              <a:t>which</a:t>
+            </a:r>
+            <a:r>
+              <a:rPr lang="fr-FR" dirty="0"/>
+              <a:t> </a:t>
+            </a:r>
+            <a:r>
+              <a:rPr lang="fr-FR" dirty="0" err="1"/>
+              <a:t>you</a:t>
+            </a:r>
+            <a:r>
+              <a:rPr lang="fr-FR" dirty="0"/>
+              <a:t> are </a:t>
+            </a:r>
+            <a:r>
+              <a:rPr lang="fr-FR" dirty="0" err="1"/>
+              <a:t>trying</a:t>
+            </a:r>
+            <a:r>
+              <a:rPr lang="fr-FR" dirty="0"/>
+              <a:t> to </a:t>
+            </a:r>
+            <a:r>
+              <a:rPr lang="fr-FR" dirty="0" err="1"/>
+              <a:t>make</a:t>
+            </a:r>
+            <a:r>
+              <a:rPr lang="fr-FR" dirty="0"/>
+              <a:t> efforts to </a:t>
+            </a:r>
+            <a:r>
+              <a:rPr lang="fr-FR" dirty="0" err="1"/>
+              <a:t>meet</a:t>
+            </a:r>
+            <a:r>
+              <a:rPr lang="fr-FR" dirty="0"/>
+              <a:t> an </a:t>
+            </a:r>
+            <a:r>
+              <a:rPr lang="fr-FR" dirty="0" err="1"/>
+              <a:t>very</a:t>
+            </a:r>
+            <a:r>
+              <a:rPr lang="fr-FR" dirty="0"/>
+              <a:t> important agricultural label : </a:t>
+            </a:r>
+            <a:r>
+              <a:rPr lang="fr-FR" dirty="0" err="1"/>
+              <a:t>EcoLabel</a:t>
+            </a:r>
             <a:endParaRPr lang="fr-FR" dirty="0"/>
+          </a:p>
+          <a:p>
+            <a:r>
+              <a:rPr lang="fr-FR" dirty="0"/>
+              <a:t>This label </a:t>
+            </a:r>
+            <a:r>
+              <a:rPr lang="fr-FR" dirty="0" err="1"/>
+              <a:t>is</a:t>
+            </a:r>
+            <a:r>
+              <a:rPr lang="fr-FR" dirty="0"/>
+              <a:t> </a:t>
+            </a:r>
+            <a:r>
+              <a:rPr lang="fr-FR" dirty="0" err="1"/>
+              <a:t>given</a:t>
+            </a:r>
+            <a:r>
+              <a:rPr lang="fr-FR" dirty="0"/>
+              <a:t> to the commune </a:t>
+            </a:r>
+            <a:r>
+              <a:rPr lang="fr-FR" dirty="0" err="1"/>
+              <a:t>when</a:t>
+            </a:r>
+            <a:r>
+              <a:rPr lang="fr-FR" dirty="0"/>
+              <a:t> </a:t>
+            </a:r>
+            <a:r>
+              <a:rPr lang="fr-FR" dirty="0" err="1"/>
+              <a:t>specific</a:t>
+            </a:r>
+            <a:r>
+              <a:rPr lang="fr-FR" dirty="0"/>
+              <a:t> </a:t>
+            </a:r>
+            <a:r>
+              <a:rPr lang="fr-FR" dirty="0" err="1"/>
+              <a:t>criterias</a:t>
+            </a:r>
+            <a:r>
+              <a:rPr lang="fr-FR" dirty="0"/>
+              <a:t> are met. </a:t>
+            </a:r>
+            <a:r>
+              <a:rPr lang="fr-FR" dirty="0" err="1"/>
+              <a:t>These</a:t>
+            </a:r>
+            <a:r>
+              <a:rPr lang="fr-FR" dirty="0"/>
+              <a:t> </a:t>
+            </a:r>
+            <a:r>
+              <a:rPr lang="fr-FR" dirty="0" err="1"/>
+              <a:t>criteria</a:t>
+            </a:r>
+            <a:r>
+              <a:rPr lang="fr-FR" dirty="0"/>
+              <a:t> are </a:t>
+            </a:r>
+            <a:r>
+              <a:rPr lang="fr-FR" dirty="0" err="1"/>
+              <a:t>evaluated</a:t>
+            </a:r>
+            <a:r>
+              <a:rPr lang="fr-FR" dirty="0"/>
+              <a:t> for the </a:t>
+            </a:r>
+            <a:r>
+              <a:rPr lang="fr-FR" dirty="0" err="1"/>
+              <a:t>whole</a:t>
+            </a:r>
+            <a:r>
+              <a:rPr lang="fr-FR" dirty="0"/>
+              <a:t> commune, </a:t>
+            </a:r>
+            <a:r>
+              <a:rPr lang="fr-FR" dirty="0" err="1"/>
+              <a:t>based</a:t>
+            </a:r>
+            <a:r>
+              <a:rPr lang="fr-FR" dirty="0"/>
+              <a:t> on </a:t>
+            </a:r>
+            <a:r>
+              <a:rPr lang="fr-FR" dirty="0" err="1"/>
+              <a:t>each</a:t>
+            </a:r>
+            <a:r>
+              <a:rPr lang="fr-FR" dirty="0"/>
+              <a:t> villages’ </a:t>
+            </a:r>
+            <a:r>
+              <a:rPr lang="fr-FR" dirty="0" err="1"/>
+              <a:t>criterias</a:t>
+            </a:r>
+            <a:endParaRPr lang="fr-FR" dirty="0"/>
+          </a:p>
+          <a:p>
+            <a:r>
+              <a:rPr lang="fr-FR" dirty="0" err="1"/>
+              <a:t>However</a:t>
+            </a:r>
+            <a:r>
+              <a:rPr lang="fr-FR" dirty="0"/>
+              <a:t>, the </a:t>
+            </a:r>
+            <a:r>
+              <a:rPr lang="fr-FR" dirty="0" err="1"/>
+              <a:t>requirements</a:t>
+            </a:r>
+            <a:r>
+              <a:rPr lang="fr-FR" dirty="0"/>
+              <a:t> to </a:t>
+            </a:r>
+            <a:r>
+              <a:rPr lang="fr-FR" dirty="0" err="1"/>
+              <a:t>meet</a:t>
+            </a:r>
+            <a:r>
+              <a:rPr lang="fr-FR" dirty="0"/>
+              <a:t> </a:t>
+            </a:r>
+            <a:r>
+              <a:rPr lang="fr-FR" dirty="0" err="1"/>
+              <a:t>this</a:t>
+            </a:r>
+            <a:r>
+              <a:rPr lang="fr-FR" dirty="0"/>
+              <a:t> </a:t>
+            </a:r>
+            <a:r>
+              <a:rPr lang="fr-FR" dirty="0" err="1"/>
+              <a:t>label’s</a:t>
+            </a:r>
+            <a:r>
+              <a:rPr lang="fr-FR" dirty="0"/>
+              <a:t> </a:t>
+            </a:r>
+            <a:r>
+              <a:rPr lang="fr-FR" dirty="0" err="1"/>
+              <a:t>criteria</a:t>
+            </a:r>
+            <a:r>
+              <a:rPr lang="fr-FR" dirty="0"/>
+              <a:t> are hard : </a:t>
+            </a:r>
+            <a:r>
+              <a:rPr lang="fr-FR" dirty="0" err="1"/>
+              <a:t>you</a:t>
+            </a:r>
+            <a:r>
+              <a:rPr lang="fr-FR" dirty="0"/>
+              <a:t> </a:t>
+            </a:r>
+            <a:r>
+              <a:rPr lang="fr-FR" dirty="0" err="1"/>
+              <a:t>meet</a:t>
+            </a:r>
+            <a:r>
+              <a:rPr lang="fr-FR" dirty="0"/>
+              <a:t> </a:t>
+            </a:r>
+            <a:r>
+              <a:rPr lang="fr-FR" dirty="0" err="1"/>
+              <a:t>today</a:t>
+            </a:r>
+            <a:r>
+              <a:rPr lang="fr-FR" dirty="0"/>
+              <a:t> </a:t>
+            </a:r>
+            <a:r>
+              <a:rPr lang="fr-FR" dirty="0" err="1"/>
+              <a:t>because</a:t>
+            </a:r>
+            <a:r>
+              <a:rPr lang="fr-FR" dirty="0"/>
+              <a:t> </a:t>
+            </a:r>
+            <a:r>
+              <a:rPr lang="fr-FR" dirty="0" err="1"/>
+              <a:t>you</a:t>
+            </a:r>
+            <a:r>
+              <a:rPr lang="fr-FR" dirty="0"/>
+              <a:t> are about to lose </a:t>
+            </a:r>
+            <a:r>
+              <a:rPr lang="fr-FR" dirty="0" err="1"/>
+              <a:t>this</a:t>
+            </a:r>
+            <a:r>
+              <a:rPr lang="fr-FR" dirty="0"/>
+              <a:t> label due to a </a:t>
+            </a:r>
+            <a:r>
+              <a:rPr lang="fr-FR" dirty="0" err="1"/>
+              <a:t>decreasing</a:t>
+            </a:r>
+            <a:r>
+              <a:rPr lang="fr-FR" dirty="0"/>
+              <a:t> production and an </a:t>
+            </a:r>
+            <a:r>
+              <a:rPr lang="fr-FR" dirty="0" err="1"/>
+              <a:t>increasing</a:t>
+            </a:r>
+            <a:r>
+              <a:rPr lang="fr-FR" dirty="0"/>
+              <a:t> pollution</a:t>
+            </a:r>
           </a:p>
         </p:txBody>
       </p:sp>
@@ -4339,7 +4985,7 @@
           <a:p>
             <a:r>
               <a:rPr lang="fr-FR" dirty="0"/>
-              <a:t>4 – 8 </a:t>
+              <a:t>4 – 12 </a:t>
             </a:r>
             <a:r>
               <a:rPr lang="fr-FR" dirty="0" err="1"/>
@@ -4355,7 +5001,7 @@
             </a:r>
             <a:r>
               <a:rPr lang="fr-FR" dirty="0"/>
-              <a:t> in 4 groups. </a:t>
+              <a:t> in 4 groups</a:t>
             </a:r>
           </a:p>
           <a:p>
@@ -4740,7 +5386,7 @@
         <p:spPr>
           <a:xfrm>
             <a:off x="1371600" y="1291905"/>
-            <a:ext cx="4447786" cy="4575496"/>
+            <a:ext cx="9072694" cy="494950"/>
           </a:xfrm>
         </p:spPr>
         <p:txBody>
@@ -4787,184 +5433,10 @@
               <a:rPr lang="fr-FR" dirty="0" err="1"/>
               <a:t>entities</a:t>
             </a:r>
-            <a:endParaRPr lang="fr-FR" dirty="0"/>
-          </a:p>
-        </p:txBody>
-      </p:sp>
-      <p:sp>
-        <p:nvSpPr>
-          <p:cNvPr id="5" name="Espace réservé du contenu 4">
-            <a:extLst>
-              <a:ext uri="{FF2B5EF4-FFF2-40B4-BE49-F238E27FC236}">
-                <a16:creationId xmlns:a16="http://schemas.microsoft.com/office/drawing/2014/main" id="{36EC80C3-F42C-68AD-B12A-F405B3A30D3D}"/>
-              </a:ext>
-            </a:extLst>
-          </p:cNvPr>
-          <p:cNvSpPr>
-            <a:spLocks noGrp="1"/>
-          </p:cNvSpPr>
-          <p:nvPr>
-            <p:ph sz="half" idx="2"/>
-          </p:nvPr>
-        </p:nvSpPr>
-        <p:spPr>
-          <a:xfrm>
-            <a:off x="6525403" y="1291905"/>
-            <a:ext cx="4447786" cy="4575495"/>
-          </a:xfrm>
-        </p:spPr>
-        <p:txBody>
-          <a:bodyPr/>
-          <a:lstStyle/>
-          <a:p>
-            <a:r>
-              <a:rPr lang="fr-FR" dirty="0"/>
-              <a:t>The population (</a:t>
-            </a:r>
-            <a:r>
-              <a:rPr lang="fr-FR" dirty="0" err="1"/>
-              <a:t>inhabitants</a:t>
-            </a:r>
-            <a:r>
-              <a:rPr lang="fr-FR" dirty="0"/>
-              <a:t> and </a:t>
-            </a:r>
-            <a:r>
-              <a:rPr lang="fr-FR" dirty="0" err="1"/>
-              <a:t>farmers</a:t>
-            </a:r>
-            <a:r>
-              <a:rPr lang="fr-FR" dirty="0"/>
-              <a:t>) </a:t>
-            </a:r>
-            <a:r>
-              <a:rPr lang="fr-FR" dirty="0" err="1"/>
-              <a:t>produce</a:t>
-            </a:r>
-            <a:r>
-              <a:rPr lang="fr-FR" dirty="0"/>
-              <a:t> </a:t>
-            </a:r>
-            <a:r>
-              <a:rPr lang="fr-FR" dirty="0" err="1"/>
-              <a:t>two</a:t>
-            </a:r>
-            <a:r>
-              <a:rPr lang="fr-FR" dirty="0"/>
-              <a:t> types of </a:t>
-            </a:r>
-            <a:r>
-              <a:rPr lang="fr-FR" dirty="0" err="1"/>
-              <a:t>waste</a:t>
-            </a:r>
-            <a:endParaRPr lang="fr-FR" dirty="0"/>
-          </a:p>
-        </p:txBody>
-      </p:sp>
-      <p:cxnSp>
-        <p:nvCxnSpPr>
-          <p:cNvPr id="6" name="Connecteur droit 5">
-            <a:extLst>
-              <a:ext uri="{FF2B5EF4-FFF2-40B4-BE49-F238E27FC236}">
-                <a16:creationId xmlns:a16="http://schemas.microsoft.com/office/drawing/2014/main" id="{06CB1ECD-8A40-AF30-07D0-F585690CD4D3}"/>
-              </a:ext>
-            </a:extLst>
-          </p:cNvPr>
-          <p:cNvCxnSpPr>
-            <a:cxnSpLocks/>
-          </p:cNvCxnSpPr>
-          <p:nvPr/>
-        </p:nvCxnSpPr>
-        <p:spPr>
-          <a:xfrm>
-            <a:off x="6096000" y="1166070"/>
-            <a:ext cx="61519" cy="5285064"/>
-          </a:xfrm>
-          <a:prstGeom prst="line">
-            <a:avLst/>
-          </a:prstGeom>
-        </p:spPr>
-        <p:style>
-          <a:lnRef idx="1">
-            <a:schemeClr val="dk1"/>
-          </a:lnRef>
-          <a:fillRef idx="0">
-            <a:schemeClr val="dk1"/>
-          </a:fillRef>
-          <a:effectRef idx="0">
-            <a:schemeClr val="dk1"/>
-          </a:effectRef>
-          <a:fontRef idx="minor">
-            <a:schemeClr val="tx1"/>
-          </a:fontRef>
-        </p:style>
-      </p:cxnSp>
-      <p:sp>
-        <p:nvSpPr>
-          <p:cNvPr id="7" name="ZoneTexte 6">
-            <a:extLst>
-              <a:ext uri="{FF2B5EF4-FFF2-40B4-BE49-F238E27FC236}">
-                <a16:creationId xmlns:a16="http://schemas.microsoft.com/office/drawing/2014/main" id="{5CE5E275-9C92-81B8-891A-86E7A01A5A1B}"/>
-              </a:ext>
-            </a:extLst>
-          </p:cNvPr>
-          <p:cNvSpPr txBox="1"/>
-          <p:nvPr/>
-        </p:nvSpPr>
-        <p:spPr>
-          <a:xfrm>
-            <a:off x="2454786" y="3105834"/>
-            <a:ext cx="2365695" cy="646331"/>
-          </a:xfrm>
-          <a:prstGeom prst="rect">
-            <a:avLst/>
-          </a:prstGeom>
-          <a:noFill/>
-        </p:spPr>
-        <p:txBody>
-          <a:bodyPr wrap="square" rtlCol="0">
-            <a:spAutoFit/>
-          </a:bodyPr>
-          <a:lstStyle/>
-          <a:p>
-            <a:pPr algn="ctr"/>
-            <a:r>
-              <a:rPr lang="fr-FR" dirty="0">
-                <a:highlight>
-                  <a:srgbClr val="FFFF00"/>
-                </a:highlight>
-              </a:rPr>
-              <a:t>Insert image of a local area </a:t>
-            </a:r>
-            <a:r>
-              <a:rPr lang="fr-FR" dirty="0" err="1">
-                <a:highlight>
-                  <a:srgbClr val="FFFF00"/>
-                </a:highlight>
-              </a:rPr>
-              <a:t>with</a:t>
-            </a:r>
-            <a:r>
-              <a:rPr lang="fr-FR" dirty="0">
-                <a:highlight>
-                  <a:srgbClr val="FFFF00"/>
-                </a:highlight>
-              </a:rPr>
-              <a:t> a </a:t>
-            </a:r>
-            <a:r>
-              <a:rPr lang="fr-FR" dirty="0" err="1">
-                <a:highlight>
-                  <a:srgbClr val="FFFF00"/>
-                </a:highlight>
-              </a:rPr>
-              <a:t>caption</a:t>
-            </a:r>
-            <a:endParaRPr lang="fr-FR" dirty="0">
-              <a:highlight>
-                <a:srgbClr val="FFFF00"/>
-              </a:highlight>
-            </a:endParaRPr>
+            <a:r>
+              <a:rPr lang="fr-FR" dirty="0"/>
+              <a:t> :</a:t>
+            </a:r>
           </a:p>
         </p:txBody>
       </p:sp>
@@ -4982,8 +5454,8 @@
         </p:nvSpPr>
         <p:spPr>
           <a:xfrm>
-            <a:off x="8009696" y="3105833"/>
-            <a:ext cx="2365695" cy="646331"/>
+            <a:off x="1652632" y="3937401"/>
+            <a:ext cx="2447732" cy="584775"/>
           </a:xfrm>
           <a:prstGeom prst="rect">
             <a:avLst/>
@@ -4998,61 +5470,578 @@
           <a:p>
             <a:pPr algn="ctr"/>
             <a:r>
-              <a:rPr lang="fr-FR" dirty="0">
-                <a:highlight>
-                  <a:srgbClr val="FFFF00"/>
-                </a:highlight>
-              </a:rPr>
-              <a:t>Insert image of </a:t>
-            </a:r>
-            <a:r>
-              <a:rPr lang="fr-FR" dirty="0" err="1">
-                <a:highlight>
-                  <a:srgbClr val="FFFF00"/>
-                </a:highlight>
-              </a:rPr>
-              <a:t>waste</a:t>
-            </a:r>
-            <a:r>
-              <a:rPr lang="fr-FR" dirty="0">
-                <a:highlight>
-                  <a:srgbClr val="FFFF00"/>
-                </a:highlight>
-              </a:rPr>
-              <a:t> water and </a:t>
-            </a:r>
-            <a:r>
-              <a:rPr lang="fr-FR" dirty="0" err="1">
-                <a:highlight>
-                  <a:srgbClr val="FFFF00"/>
-                </a:highlight>
-              </a:rPr>
-              <a:t>solid</a:t>
-            </a:r>
-            <a:r>
-              <a:rPr lang="fr-FR" dirty="0">
-                <a:highlight>
-                  <a:srgbClr val="FFFF00"/>
-                </a:highlight>
-              </a:rPr>
-              <a:t> </a:t>
-            </a:r>
-            <a:r>
-              <a:rPr lang="fr-FR" dirty="0" err="1">
-                <a:highlight>
-                  <a:srgbClr val="FFFF00"/>
-                </a:highlight>
-              </a:rPr>
-              <a:t>waste</a:t>
-            </a:r>
-            <a:endParaRPr lang="fr-FR" dirty="0">
-              <a:highlight>
-                <a:srgbClr val="FFFF00"/>
-              </a:highlight>
-            </a:endParaRPr>
-          </a:p>
-        </p:txBody>
-      </p:sp>
+              <a:rPr lang="fr-FR" b="1" dirty="0"/>
+              <a:t>Fields</a:t>
+            </a:r>
+          </a:p>
+          <a:p>
+            <a:pPr algn="ctr"/>
+            <a:r>
+              <a:rPr lang="fr-FR" sz="1400" i="1" dirty="0"/>
+              <a:t>(</a:t>
+            </a:r>
+            <a:r>
+              <a:rPr lang="fr-FR" sz="1400" i="1" dirty="0" err="1"/>
+              <a:t>yellow</a:t>
+            </a:r>
+            <a:r>
+              <a:rPr lang="fr-FR" sz="1400" i="1" dirty="0"/>
+              <a:t> dot = 1 </a:t>
+            </a:r>
+            <a:r>
+              <a:rPr lang="fr-FR" sz="1400" i="1" dirty="0" err="1"/>
+              <a:t>farmer</a:t>
+            </a:r>
+            <a:r>
+              <a:rPr lang="fr-FR" sz="1400" i="1" dirty="0"/>
+              <a:t>/</a:t>
+            </a:r>
+            <a:r>
+              <a:rPr lang="fr-FR" sz="1400" i="1" dirty="0" err="1"/>
+              <a:t>field</a:t>
+            </a:r>
+            <a:r>
+              <a:rPr lang="fr-FR" sz="1400" i="1" dirty="0"/>
+              <a:t>)</a:t>
+            </a:r>
+          </a:p>
+        </p:txBody>
+      </p:sp>
+      <p:pic>
+        <p:nvPicPr>
+          <p:cNvPr id="9" name="Image 8">
+            <a:extLst>
+              <a:ext uri="{FF2B5EF4-FFF2-40B4-BE49-F238E27FC236}">
+                <a16:creationId xmlns:a16="http://schemas.microsoft.com/office/drawing/2014/main" id="{F3E90F8D-762A-D537-1FEC-DB636439731A}"/>
+              </a:ext>
+            </a:extLst>
+          </p:cNvPr>
+          <p:cNvPicPr>
+            <a:picLocks noChangeAspect="1"/>
+          </p:cNvPicPr>
+          <p:nvPr/>
+        </p:nvPicPr>
+        <p:blipFill>
+          <a:blip r:embed="rId2"/>
+          <a:stretch>
+            <a:fillRect/>
+          </a:stretch>
+        </p:blipFill>
+        <p:spPr>
+          <a:xfrm>
+            <a:off x="5203964" y="2236079"/>
+            <a:ext cx="3168250" cy="4238125"/>
+          </a:xfrm>
+          <a:prstGeom prst="rect">
+            <a:avLst/>
+          </a:prstGeom>
+        </p:spPr>
+      </p:pic>
+      <p:sp>
+        <p:nvSpPr>
+          <p:cNvPr id="12" name="ZoneTexte 11">
+            <a:extLst>
+              <a:ext uri="{FF2B5EF4-FFF2-40B4-BE49-F238E27FC236}">
+                <a16:creationId xmlns:a16="http://schemas.microsoft.com/office/drawing/2014/main" id="{29F261D3-8000-9134-DD5B-BBBC3A712588}"/>
+              </a:ext>
+            </a:extLst>
+          </p:cNvPr>
+          <p:cNvSpPr txBox="1"/>
+          <p:nvPr/>
+        </p:nvSpPr>
+        <p:spPr>
+          <a:xfrm>
+            <a:off x="9074089" y="2700225"/>
+            <a:ext cx="2706400" cy="584775"/>
+          </a:xfrm>
+          <a:prstGeom prst="rect">
+            <a:avLst/>
+          </a:prstGeom>
+          <a:noFill/>
+        </p:spPr>
+        <p:txBody>
+          <a:bodyPr wrap="square" rtlCol="0">
+            <a:spAutoFit/>
+          </a:bodyPr>
+          <a:lstStyle/>
+          <a:p>
+            <a:pPr algn="ctr"/>
+            <a:r>
+              <a:rPr lang="fr-FR" b="1" dirty="0"/>
+              <a:t>Local </a:t>
+            </a:r>
+            <a:r>
+              <a:rPr lang="fr-FR" b="1" dirty="0" err="1"/>
+              <a:t>landfills</a:t>
+            </a:r>
+            <a:endParaRPr lang="fr-FR" b="1" dirty="0"/>
+          </a:p>
+          <a:p>
+            <a:pPr algn="ctr"/>
+            <a:r>
+              <a:rPr lang="fr-FR" sz="1400" i="1" dirty="0"/>
+              <a:t>(1 </a:t>
+            </a:r>
+            <a:r>
+              <a:rPr lang="fr-FR" sz="1400" i="1" dirty="0" err="1"/>
+              <a:t>little</a:t>
+            </a:r>
+            <a:r>
+              <a:rPr lang="fr-FR" sz="1400" i="1" dirty="0"/>
+              <a:t> </a:t>
+            </a:r>
+            <a:r>
+              <a:rPr lang="fr-FR" sz="1400" i="1" dirty="0" err="1"/>
+              <a:t>red</a:t>
+            </a:r>
+            <a:r>
+              <a:rPr lang="fr-FR" sz="1400" i="1" dirty="0"/>
+              <a:t> </a:t>
+            </a:r>
+            <a:r>
+              <a:rPr lang="fr-FR" sz="1400" i="1" dirty="0" err="1"/>
+              <a:t>circle</a:t>
+            </a:r>
+            <a:r>
+              <a:rPr lang="fr-FR" sz="1400" i="1" dirty="0"/>
+              <a:t> for </a:t>
+            </a:r>
+            <a:r>
+              <a:rPr lang="fr-FR" sz="1400" i="1" dirty="0" err="1"/>
+              <a:t>each</a:t>
+            </a:r>
+            <a:r>
+              <a:rPr lang="fr-FR" sz="1400" i="1" dirty="0"/>
+              <a:t> village)</a:t>
+            </a:r>
+          </a:p>
+        </p:txBody>
+      </p:sp>
+      <p:sp>
+        <p:nvSpPr>
+          <p:cNvPr id="13" name="ZoneTexte 12">
+            <a:extLst>
+              <a:ext uri="{FF2B5EF4-FFF2-40B4-BE49-F238E27FC236}">
+                <a16:creationId xmlns:a16="http://schemas.microsoft.com/office/drawing/2014/main" id="{F3549704-9855-6CF4-AA54-F9662081AD7F}"/>
+              </a:ext>
+            </a:extLst>
+          </p:cNvPr>
+          <p:cNvSpPr txBox="1"/>
+          <p:nvPr/>
+        </p:nvSpPr>
+        <p:spPr>
+          <a:xfrm>
+            <a:off x="8885337" y="4671036"/>
+            <a:ext cx="3083904" cy="800219"/>
+          </a:xfrm>
+          <a:prstGeom prst="rect">
+            <a:avLst/>
+          </a:prstGeom>
+          <a:noFill/>
+        </p:spPr>
+        <p:txBody>
+          <a:bodyPr wrap="square" rtlCol="0">
+            <a:spAutoFit/>
+          </a:bodyPr>
+          <a:lstStyle/>
+          <a:p>
+            <a:pPr algn="ctr"/>
+            <a:r>
+              <a:rPr lang="fr-FR" b="1" dirty="0"/>
+              <a:t>Communal </a:t>
+            </a:r>
+            <a:r>
+              <a:rPr lang="fr-FR" b="1" dirty="0" err="1"/>
+              <a:t>landfills</a:t>
+            </a:r>
+            <a:endParaRPr lang="fr-FR" b="1" dirty="0"/>
+          </a:p>
+          <a:p>
+            <a:pPr algn="ctr"/>
+            <a:r>
+              <a:rPr lang="fr-FR" sz="1400" i="1" dirty="0"/>
+              <a:t>(1 </a:t>
+            </a:r>
+            <a:r>
+              <a:rPr lang="fr-FR" sz="1400" i="1" dirty="0" err="1"/>
+              <a:t>bigger</a:t>
+            </a:r>
+            <a:r>
+              <a:rPr lang="fr-FR" sz="1400" i="1" dirty="0"/>
+              <a:t> </a:t>
+            </a:r>
+            <a:r>
+              <a:rPr lang="fr-FR" sz="1400" i="1" dirty="0" err="1"/>
+              <a:t>red</a:t>
+            </a:r>
+            <a:r>
+              <a:rPr lang="fr-FR" sz="1400" i="1" dirty="0"/>
+              <a:t> </a:t>
+            </a:r>
+            <a:r>
+              <a:rPr lang="fr-FR" sz="1400" i="1" dirty="0" err="1"/>
+              <a:t>circle</a:t>
+            </a:r>
+            <a:r>
+              <a:rPr lang="fr-FR" sz="1400" i="1" dirty="0"/>
+              <a:t> for the commune, </a:t>
+            </a:r>
+            <a:r>
+              <a:rPr lang="fr-FR" sz="1400" i="1" dirty="0" err="1"/>
+              <a:t>located</a:t>
+            </a:r>
+            <a:r>
+              <a:rPr lang="fr-FR" sz="1400" i="1" dirty="0"/>
+              <a:t> in village 4)</a:t>
+            </a:r>
+          </a:p>
+        </p:txBody>
+      </p:sp>
+      <p:sp>
+        <p:nvSpPr>
+          <p:cNvPr id="14" name="ZoneTexte 13">
+            <a:extLst>
+              <a:ext uri="{FF2B5EF4-FFF2-40B4-BE49-F238E27FC236}">
+                <a16:creationId xmlns:a16="http://schemas.microsoft.com/office/drawing/2014/main" id="{EA3E778A-096C-1AE5-69DD-DCE4426F4A7D}"/>
+              </a:ext>
+            </a:extLst>
+          </p:cNvPr>
+          <p:cNvSpPr txBox="1"/>
+          <p:nvPr/>
+        </p:nvSpPr>
+        <p:spPr>
+          <a:xfrm>
+            <a:off x="2943581" y="2208103"/>
+            <a:ext cx="1485808" cy="369332"/>
+          </a:xfrm>
+          <a:prstGeom prst="rect">
+            <a:avLst/>
+          </a:prstGeom>
+          <a:noFill/>
+        </p:spPr>
+        <p:txBody>
+          <a:bodyPr wrap="square" rtlCol="0">
+            <a:spAutoFit/>
+          </a:bodyPr>
+          <a:lstStyle/>
+          <a:p>
+            <a:pPr algn="ctr"/>
+            <a:r>
+              <a:rPr lang="fr-FR" b="1" dirty="0"/>
+              <a:t>Urban areas</a:t>
+            </a:r>
+          </a:p>
+        </p:txBody>
+      </p:sp>
+      <p:sp>
+        <p:nvSpPr>
+          <p:cNvPr id="15" name="ZoneTexte 14">
+            <a:extLst>
+              <a:ext uri="{FF2B5EF4-FFF2-40B4-BE49-F238E27FC236}">
+                <a16:creationId xmlns:a16="http://schemas.microsoft.com/office/drawing/2014/main" id="{94C09938-FCEE-CF19-ECBC-8D92D142A860}"/>
+              </a:ext>
+            </a:extLst>
+          </p:cNvPr>
+          <p:cNvSpPr txBox="1"/>
+          <p:nvPr/>
+        </p:nvSpPr>
+        <p:spPr>
+          <a:xfrm>
+            <a:off x="2647165" y="5856721"/>
+            <a:ext cx="1854924" cy="369332"/>
+          </a:xfrm>
+          <a:prstGeom prst="rect">
+            <a:avLst/>
+          </a:prstGeom>
+          <a:noFill/>
+        </p:spPr>
+        <p:txBody>
+          <a:bodyPr wrap="square" rtlCol="0">
+            <a:spAutoFit/>
+          </a:bodyPr>
+          <a:lstStyle/>
+          <a:p>
+            <a:pPr algn="ctr"/>
+            <a:r>
+              <a:rPr lang="fr-FR" b="1" dirty="0"/>
+              <a:t>Irrigation </a:t>
+            </a:r>
+            <a:r>
+              <a:rPr lang="fr-FR" b="1" dirty="0" err="1"/>
+              <a:t>canals</a:t>
+            </a:r>
+            <a:endParaRPr lang="fr-FR" b="1" dirty="0"/>
+          </a:p>
+        </p:txBody>
+      </p:sp>
+      <p:cxnSp>
+        <p:nvCxnSpPr>
+          <p:cNvPr id="17" name="Connecteur droit avec flèche 16">
+            <a:extLst>
+              <a:ext uri="{FF2B5EF4-FFF2-40B4-BE49-F238E27FC236}">
+                <a16:creationId xmlns:a16="http://schemas.microsoft.com/office/drawing/2014/main" id="{01CA02E8-DECF-468B-A268-425CFF8C815B}"/>
+              </a:ext>
+            </a:extLst>
+          </p:cNvPr>
+          <p:cNvCxnSpPr>
+            <a:stCxn id="12" idx="1"/>
+          </p:cNvCxnSpPr>
+          <p:nvPr/>
+        </p:nvCxnSpPr>
+        <p:spPr>
+          <a:xfrm flipH="1">
+            <a:off x="7726261" y="2992613"/>
+            <a:ext cx="1347828" cy="1101215"/>
+          </a:xfrm>
+          <a:prstGeom prst="straightConnector1">
+            <a:avLst/>
+          </a:prstGeom>
+          <a:ln w="28575">
+            <a:solidFill>
+              <a:srgbClr val="FF0000"/>
+            </a:solidFill>
+            <a:tailEnd type="triangle"/>
+          </a:ln>
+        </p:spPr>
+        <p:style>
+          <a:lnRef idx="1">
+            <a:schemeClr val="accent2"/>
+          </a:lnRef>
+          <a:fillRef idx="0">
+            <a:schemeClr val="accent2"/>
+          </a:fillRef>
+          <a:effectRef idx="0">
+            <a:schemeClr val="accent2"/>
+          </a:effectRef>
+          <a:fontRef idx="minor">
+            <a:schemeClr val="tx1"/>
+          </a:fontRef>
+        </p:style>
+      </p:cxnSp>
+      <p:cxnSp>
+        <p:nvCxnSpPr>
+          <p:cNvPr id="18" name="Connecteur droit avec flèche 17">
+            <a:extLst>
+              <a:ext uri="{FF2B5EF4-FFF2-40B4-BE49-F238E27FC236}">
+                <a16:creationId xmlns:a16="http://schemas.microsoft.com/office/drawing/2014/main" id="{42872FBE-2AED-1BA3-3A51-FC43CDFF5F33}"/>
+              </a:ext>
+            </a:extLst>
+          </p:cNvPr>
+          <p:cNvCxnSpPr>
+            <a:cxnSpLocks/>
+            <a:stCxn id="13" idx="1"/>
+          </p:cNvCxnSpPr>
+          <p:nvPr/>
+        </p:nvCxnSpPr>
+        <p:spPr>
+          <a:xfrm flipH="1">
+            <a:off x="7139031" y="5071146"/>
+            <a:ext cx="1746306" cy="849333"/>
+          </a:xfrm>
+          <a:prstGeom prst="straightConnector1">
+            <a:avLst/>
+          </a:prstGeom>
+          <a:ln w="28575">
+            <a:solidFill>
+              <a:srgbClr val="FF0000"/>
+            </a:solidFill>
+            <a:tailEnd type="triangle"/>
+          </a:ln>
+        </p:spPr>
+        <p:style>
+          <a:lnRef idx="1">
+            <a:schemeClr val="accent2"/>
+          </a:lnRef>
+          <a:fillRef idx="0">
+            <a:schemeClr val="accent2"/>
+          </a:fillRef>
+          <a:effectRef idx="0">
+            <a:schemeClr val="accent2"/>
+          </a:effectRef>
+          <a:fontRef idx="minor">
+            <a:schemeClr val="tx1"/>
+          </a:fontRef>
+        </p:style>
+      </p:cxnSp>
+      <p:cxnSp>
+        <p:nvCxnSpPr>
+          <p:cNvPr id="21" name="Connecteur droit avec flèche 20">
+            <a:extLst>
+              <a:ext uri="{FF2B5EF4-FFF2-40B4-BE49-F238E27FC236}">
+                <a16:creationId xmlns:a16="http://schemas.microsoft.com/office/drawing/2014/main" id="{68E80AF9-3DED-7057-1BFA-5FD39CA6DDA6}"/>
+              </a:ext>
+            </a:extLst>
+          </p:cNvPr>
+          <p:cNvCxnSpPr>
+            <a:cxnSpLocks/>
+            <a:stCxn id="14" idx="3"/>
+          </p:cNvCxnSpPr>
+          <p:nvPr/>
+        </p:nvCxnSpPr>
+        <p:spPr>
+          <a:xfrm>
+            <a:off x="4429389" y="2392769"/>
+            <a:ext cx="1478558" cy="599843"/>
+          </a:xfrm>
+          <a:prstGeom prst="straightConnector1">
+            <a:avLst/>
+          </a:prstGeom>
+          <a:ln w="28575">
+            <a:solidFill>
+              <a:srgbClr val="FF0000"/>
+            </a:solidFill>
+            <a:tailEnd type="triangle"/>
+          </a:ln>
+        </p:spPr>
+        <p:style>
+          <a:lnRef idx="1">
+            <a:schemeClr val="accent2"/>
+          </a:lnRef>
+          <a:fillRef idx="0">
+            <a:schemeClr val="accent2"/>
+          </a:fillRef>
+          <a:effectRef idx="0">
+            <a:schemeClr val="accent2"/>
+          </a:effectRef>
+          <a:fontRef idx="minor">
+            <a:schemeClr val="tx1"/>
+          </a:fontRef>
+        </p:style>
+      </p:cxnSp>
+      <p:cxnSp>
+        <p:nvCxnSpPr>
+          <p:cNvPr id="24" name="Connecteur droit avec flèche 23">
+            <a:extLst>
+              <a:ext uri="{FF2B5EF4-FFF2-40B4-BE49-F238E27FC236}">
+                <a16:creationId xmlns:a16="http://schemas.microsoft.com/office/drawing/2014/main" id="{B2E08DCE-B671-E2E9-0A90-BF8A4E85646E}"/>
+              </a:ext>
+            </a:extLst>
+          </p:cNvPr>
+          <p:cNvCxnSpPr>
+            <a:cxnSpLocks/>
+          </p:cNvCxnSpPr>
+          <p:nvPr/>
+        </p:nvCxnSpPr>
+        <p:spPr>
+          <a:xfrm>
+            <a:off x="3762810" y="4081770"/>
+            <a:ext cx="2679935" cy="533272"/>
+          </a:xfrm>
+          <a:prstGeom prst="straightConnector1">
+            <a:avLst/>
+          </a:prstGeom>
+          <a:ln w="28575">
+            <a:solidFill>
+              <a:srgbClr val="FF0000"/>
+            </a:solidFill>
+            <a:tailEnd type="triangle"/>
+          </a:ln>
+        </p:spPr>
+        <p:style>
+          <a:lnRef idx="1">
+            <a:schemeClr val="accent2"/>
+          </a:lnRef>
+          <a:fillRef idx="0">
+            <a:schemeClr val="accent2"/>
+          </a:fillRef>
+          <a:effectRef idx="0">
+            <a:schemeClr val="accent2"/>
+          </a:effectRef>
+          <a:fontRef idx="minor">
+            <a:schemeClr val="tx1"/>
+          </a:fontRef>
+        </p:style>
+      </p:cxnSp>
+      <p:cxnSp>
+        <p:nvCxnSpPr>
+          <p:cNvPr id="25" name="Connecteur droit avec flèche 24">
+            <a:extLst>
+              <a:ext uri="{FF2B5EF4-FFF2-40B4-BE49-F238E27FC236}">
+                <a16:creationId xmlns:a16="http://schemas.microsoft.com/office/drawing/2014/main" id="{F76F8250-628A-83C8-EE77-3C697DBEE018}"/>
+              </a:ext>
+            </a:extLst>
+          </p:cNvPr>
+          <p:cNvCxnSpPr>
+            <a:cxnSpLocks/>
+            <a:stCxn id="14" idx="3"/>
+          </p:cNvCxnSpPr>
+          <p:nvPr/>
+        </p:nvCxnSpPr>
+        <p:spPr>
+          <a:xfrm>
+            <a:off x="4429389" y="2392769"/>
+            <a:ext cx="3290576" cy="2678376"/>
+          </a:xfrm>
+          <a:prstGeom prst="straightConnector1">
+            <a:avLst/>
+          </a:prstGeom>
+          <a:ln w="28575">
+            <a:solidFill>
+              <a:srgbClr val="FF0000"/>
+            </a:solidFill>
+            <a:tailEnd type="triangle"/>
+          </a:ln>
+        </p:spPr>
+        <p:style>
+          <a:lnRef idx="1">
+            <a:schemeClr val="accent2"/>
+          </a:lnRef>
+          <a:fillRef idx="0">
+            <a:schemeClr val="accent2"/>
+          </a:fillRef>
+          <a:effectRef idx="0">
+            <a:schemeClr val="accent2"/>
+          </a:effectRef>
+          <a:fontRef idx="minor">
+            <a:schemeClr val="tx1"/>
+          </a:fontRef>
+        </p:style>
+      </p:cxnSp>
+      <p:cxnSp>
+        <p:nvCxnSpPr>
+          <p:cNvPr id="30" name="Connecteur droit avec flèche 29">
+            <a:extLst>
+              <a:ext uri="{FF2B5EF4-FFF2-40B4-BE49-F238E27FC236}">
+                <a16:creationId xmlns:a16="http://schemas.microsoft.com/office/drawing/2014/main" id="{ACEC60F1-6B4A-612B-D5E9-A842594B9F74}"/>
+              </a:ext>
+            </a:extLst>
+          </p:cNvPr>
+          <p:cNvCxnSpPr>
+            <a:cxnSpLocks/>
+            <a:stCxn id="15" idx="3"/>
+          </p:cNvCxnSpPr>
+          <p:nvPr/>
+        </p:nvCxnSpPr>
+        <p:spPr>
+          <a:xfrm flipV="1">
+            <a:off x="4502089" y="4995137"/>
+            <a:ext cx="2427910" cy="1046250"/>
+          </a:xfrm>
+          <a:prstGeom prst="straightConnector1">
+            <a:avLst/>
+          </a:prstGeom>
+          <a:ln w="28575">
+            <a:solidFill>
+              <a:srgbClr val="FF0000"/>
+            </a:solidFill>
+            <a:tailEnd type="triangle"/>
+          </a:ln>
+        </p:spPr>
+        <p:style>
+          <a:lnRef idx="1">
+            <a:schemeClr val="accent2"/>
+          </a:lnRef>
+          <a:fillRef idx="0">
+            <a:schemeClr val="accent2"/>
+          </a:fillRef>
+          <a:effectRef idx="0">
+            <a:schemeClr val="accent2"/>
+          </a:effectRef>
+          <a:fontRef idx="minor">
+            <a:schemeClr val="tx1"/>
+          </a:fontRef>
+        </p:style>
+      </p:cxnSp>
     </p:spTree>
     <p:extLst>
       <p:ext uri="{BB962C8B-B14F-4D97-AF65-F5344CB8AC3E}">
@@ -5145,8 +6134,8 @@
         </p:nvSpPr>
         <p:spPr>
           <a:xfrm>
-            <a:off x="1371600" y="1291905"/>
-            <a:ext cx="4447786" cy="4575496"/>
+            <a:off x="1371600" y="1178653"/>
+            <a:ext cx="10087761" cy="1195843"/>
           </a:xfrm>
         </p:spPr>
         <p:txBody>
@@ -5154,6 +6143,89 @@
           <a:lstStyle/>
           <a:p>
             <a:r>
+              <a:rPr lang="fr-FR" dirty="0"/>
+              <a:t>The </a:t>
+            </a:r>
+            <a:r>
+              <a:rPr lang="fr-FR" dirty="0" err="1"/>
+              <a:t>inhabitants</a:t>
+            </a:r>
+            <a:r>
+              <a:rPr lang="fr-FR" dirty="0"/>
+              <a:t> (</a:t>
+            </a:r>
+            <a:r>
+              <a:rPr lang="fr-FR" dirty="0" err="1"/>
+              <a:t>urban</a:t>
+            </a:r>
+            <a:r>
+              <a:rPr lang="fr-FR" dirty="0"/>
+              <a:t> areas) and the </a:t>
+            </a:r>
+            <a:r>
+              <a:rPr lang="fr-FR" dirty="0" err="1"/>
+              <a:t>farmers</a:t>
+            </a:r>
+            <a:r>
+              <a:rPr lang="fr-FR" dirty="0"/>
+              <a:t> (</a:t>
+            </a:r>
+            <a:r>
+              <a:rPr lang="fr-FR" dirty="0" err="1"/>
+              <a:t>fields</a:t>
+            </a:r>
+            <a:r>
+              <a:rPr lang="fr-FR" dirty="0"/>
+              <a:t>) </a:t>
+            </a:r>
+            <a:r>
+              <a:rPr lang="fr-FR" dirty="0" err="1"/>
+              <a:t>produce</a:t>
+            </a:r>
+            <a:r>
+              <a:rPr lang="fr-FR" dirty="0"/>
+              <a:t> </a:t>
+            </a:r>
+            <a:r>
+              <a:rPr lang="fr-FR" dirty="0" err="1"/>
+              <a:t>two</a:t>
+            </a:r>
+            <a:r>
+              <a:rPr lang="fr-FR" dirty="0"/>
+              <a:t> types of </a:t>
+            </a:r>
+            <a:r>
+              <a:rPr lang="fr-FR" dirty="0" err="1"/>
+              <a:t>wastes</a:t>
+            </a:r>
+            <a:r>
+              <a:rPr lang="fr-FR" dirty="0"/>
+              <a:t> : </a:t>
+            </a:r>
+            <a:r>
+              <a:rPr lang="fr-FR" dirty="0" err="1"/>
+              <a:t>solid</a:t>
+            </a:r>
+            <a:r>
+              <a:rPr lang="fr-FR" dirty="0"/>
+              <a:t> </a:t>
+            </a:r>
+            <a:r>
+              <a:rPr lang="fr-FR" dirty="0" err="1"/>
+              <a:t>waste</a:t>
+            </a:r>
+            <a:r>
+              <a:rPr lang="fr-FR" dirty="0"/>
+              <a:t> and </a:t>
+            </a:r>
+            <a:r>
+              <a:rPr lang="fr-FR" dirty="0" err="1"/>
+              <a:t>wastewater</a:t>
+            </a:r>
+            <a:endParaRPr lang="fr-FR" dirty="0"/>
+          </a:p>
+          <a:p>
+            <a:r>
               <a:rPr lang="fr-FR" dirty="0" err="1"/>
               <a:t>These</a:t>
             </a:r>
@@ -5201,325 +6273,12 @@
           </a:p>
         </p:txBody>
       </p:sp>
-      <p:sp>
-        <p:nvSpPr>
-          <p:cNvPr id="5" name="Espace réservé du contenu 4">
+      <p:pic>
+        <p:nvPicPr>
+          <p:cNvPr id="10" name="Image 9">
             <a:extLst>
               <a:ext uri="{FF2B5EF4-FFF2-40B4-BE49-F238E27FC236}">
-                <a16:creationId xmlns:a16="http://schemas.microsoft.com/office/drawing/2014/main" id="{36EC80C3-F42C-68AD-B12A-F405B3A30D3D}"/>
-              </a:ext>
-            </a:extLst>
-          </p:cNvPr>
-          <p:cNvSpPr>
-            <a:spLocks noGrp="1"/>
-          </p:cNvSpPr>
-          <p:nvPr>
-            <p:ph sz="half" idx="2"/>
-          </p:nvPr>
-        </p:nvSpPr>
-        <p:spPr>
-          <a:xfrm>
-            <a:off x="6525403" y="1291905"/>
-            <a:ext cx="4447786" cy="4575495"/>
-          </a:xfrm>
-        </p:spPr>
-        <p:txBody>
-          <a:bodyPr/>
-          <a:lstStyle/>
-          <a:p>
-            <a:r>
-              <a:rPr lang="fr-FR" dirty="0"/>
-              <a:t>The </a:t>
-            </a:r>
-            <a:r>
-              <a:rPr lang="fr-FR" dirty="0" err="1"/>
-              <a:t>canals</a:t>
-            </a:r>
-            <a:r>
-              <a:rPr lang="fr-FR" dirty="0"/>
-              <a:t> have a </a:t>
-            </a:r>
-            <a:r>
-              <a:rPr lang="fr-FR" dirty="0" err="1"/>
-              <a:t>specific</a:t>
-            </a:r>
-            <a:r>
-              <a:rPr lang="fr-FR" dirty="0"/>
-              <a:t> </a:t>
-            </a:r>
-            <a:r>
-              <a:rPr lang="fr-FR" dirty="0" err="1"/>
-              <a:t>way</a:t>
-            </a:r>
-            <a:r>
-              <a:rPr lang="fr-FR" dirty="0"/>
-              <a:t> to </a:t>
-            </a:r>
-            <a:r>
-              <a:rPr lang="fr-FR" dirty="0" err="1"/>
-              <a:t>make</a:t>
-            </a:r>
-            <a:r>
-              <a:rPr lang="fr-FR" dirty="0"/>
-              <a:t> </a:t>
-            </a:r>
-            <a:r>
-              <a:rPr lang="fr-FR" dirty="0" err="1"/>
-              <a:t>wastes</a:t>
-            </a:r>
-            <a:r>
-              <a:rPr lang="fr-FR" dirty="0"/>
-              <a:t> </a:t>
-            </a:r>
-            <a:r>
-              <a:rPr lang="fr-FR" dirty="0" err="1"/>
-              <a:t>travel</a:t>
-            </a:r>
-            <a:r>
-              <a:rPr lang="fr-FR" dirty="0"/>
-              <a:t> </a:t>
-            </a:r>
-            <a:r>
-              <a:rPr lang="fr-FR" dirty="0" err="1"/>
-              <a:t>throughout</a:t>
-            </a:r>
-            <a:r>
-              <a:rPr lang="fr-FR" dirty="0"/>
-              <a:t> the </a:t>
-            </a:r>
-            <a:r>
-              <a:rPr lang="fr-FR" dirty="0" err="1"/>
-              <a:t>territory</a:t>
-            </a:r>
-            <a:r>
-              <a:rPr lang="fr-FR" dirty="0"/>
-              <a:t> </a:t>
-            </a:r>
-            <a:r>
-              <a:rPr lang="fr-FR" i="1" dirty="0"/>
-              <a:t>(</a:t>
-            </a:r>
-            <a:r>
-              <a:rPr lang="fr-FR" i="1" dirty="0" err="1"/>
-              <a:t>see</a:t>
-            </a:r>
-            <a:r>
-              <a:rPr lang="fr-FR" i="1" dirty="0"/>
-              <a:t> on </a:t>
-            </a:r>
-            <a:r>
-              <a:rPr lang="fr-FR" i="1" dirty="0" err="1"/>
-              <a:t>presentation</a:t>
-            </a:r>
-            <a:r>
-              <a:rPr lang="fr-FR" i="1" dirty="0"/>
-              <a:t> model)</a:t>
-            </a:r>
-            <a:endParaRPr lang="fr-FR" dirty="0"/>
-          </a:p>
-        </p:txBody>
-      </p:sp>
-      <p:cxnSp>
-        <p:nvCxnSpPr>
-          <p:cNvPr id="6" name="Connecteur droit 5">
-            <a:extLst>
-              <a:ext uri="{FF2B5EF4-FFF2-40B4-BE49-F238E27FC236}">
-                <a16:creationId xmlns:a16="http://schemas.microsoft.com/office/drawing/2014/main" id="{84DF8A3F-1956-85B9-D734-A047F181C40E}"/>
-              </a:ext>
-            </a:extLst>
-          </p:cNvPr>
-          <p:cNvCxnSpPr>
-            <a:cxnSpLocks/>
-          </p:cNvCxnSpPr>
-          <p:nvPr/>
-        </p:nvCxnSpPr>
-        <p:spPr>
-          <a:xfrm>
-            <a:off x="6096000" y="1166070"/>
-            <a:ext cx="61519" cy="5285064"/>
-          </a:xfrm>
-          <a:prstGeom prst="line">
-            <a:avLst/>
-          </a:prstGeom>
-        </p:spPr>
-        <p:style>
-          <a:lnRef idx="1">
-            <a:schemeClr val="dk1"/>
-          </a:lnRef>
-          <a:fillRef idx="0">
-            <a:schemeClr val="dk1"/>
-          </a:fillRef>
-          <a:effectRef idx="0">
-            <a:schemeClr val="dk1"/>
-          </a:effectRef>
-          <a:fontRef idx="minor">
-            <a:schemeClr val="tx1"/>
-          </a:fontRef>
-        </p:style>
-      </p:cxnSp>
-      <p:sp>
-        <p:nvSpPr>
-          <p:cNvPr id="8" name="ZoneTexte 7">
-            <a:extLst>
-              <a:ext uri="{FF2B5EF4-FFF2-40B4-BE49-F238E27FC236}">
-                <a16:creationId xmlns:a16="http://schemas.microsoft.com/office/drawing/2014/main" id="{4F33C573-72F1-163B-C737-A5BF0BE7D01F}"/>
-              </a:ext>
-            </a:extLst>
-          </p:cNvPr>
-          <p:cNvSpPr txBox="1"/>
-          <p:nvPr/>
-        </p:nvSpPr>
-        <p:spPr>
-          <a:xfrm>
-            <a:off x="2033546" y="3429000"/>
-            <a:ext cx="3123893" cy="923330"/>
-          </a:xfrm>
-          <a:prstGeom prst="rect">
-            <a:avLst/>
-          </a:prstGeom>
-          <a:noFill/>
-        </p:spPr>
-        <p:txBody>
-          <a:bodyPr wrap="square" rtlCol="0">
-            <a:spAutoFit/>
-          </a:bodyPr>
-          <a:lstStyle/>
-          <a:p>
-            <a:pPr algn="ctr"/>
-            <a:r>
-              <a:rPr lang="fr-FR" dirty="0" err="1">
-                <a:highlight>
-                  <a:srgbClr val="FFFF00"/>
-                </a:highlight>
-              </a:rPr>
-              <a:t>Reuse</a:t>
-            </a:r>
-            <a:r>
-              <a:rPr lang="fr-FR" dirty="0">
-                <a:highlight>
-                  <a:srgbClr val="FFFF00"/>
-                </a:highlight>
-              </a:rPr>
-              <a:t> </a:t>
-            </a:r>
-            <a:r>
-              <a:rPr lang="fr-FR" dirty="0" err="1">
-                <a:highlight>
-                  <a:srgbClr val="FFFF00"/>
-                </a:highlight>
-              </a:rPr>
-              <a:t>previous</a:t>
-            </a:r>
-            <a:r>
-              <a:rPr lang="fr-FR" dirty="0">
-                <a:highlight>
-                  <a:srgbClr val="FFFF00"/>
-                </a:highlight>
-              </a:rPr>
-              <a:t> image </a:t>
-            </a:r>
-            <a:r>
-              <a:rPr lang="fr-FR" dirty="0" err="1">
-                <a:highlight>
-                  <a:srgbClr val="FFFF00"/>
-                </a:highlight>
-              </a:rPr>
-              <a:t>with</a:t>
-            </a:r>
-            <a:r>
-              <a:rPr lang="fr-FR" dirty="0">
-                <a:highlight>
-                  <a:srgbClr val="FFFF00"/>
-                </a:highlight>
-              </a:rPr>
-              <a:t> </a:t>
-            </a:r>
-            <a:r>
-              <a:rPr lang="fr-FR" dirty="0" err="1">
-                <a:highlight>
-                  <a:srgbClr val="FFFF00"/>
-                </a:highlight>
-              </a:rPr>
-              <a:t>entities</a:t>
-            </a:r>
-            <a:r>
-              <a:rPr lang="fr-FR" dirty="0">
-                <a:highlight>
-                  <a:srgbClr val="FFFF00"/>
-                </a:highlight>
-              </a:rPr>
-              <a:t> to </a:t>
-            </a:r>
-            <a:r>
-              <a:rPr lang="fr-FR" dirty="0" err="1">
-                <a:highlight>
-                  <a:srgbClr val="FFFF00"/>
-                </a:highlight>
-              </a:rPr>
-              <a:t>explain</a:t>
-            </a:r>
-            <a:r>
-              <a:rPr lang="fr-FR" dirty="0">
-                <a:highlight>
-                  <a:srgbClr val="FFFF00"/>
-                </a:highlight>
-              </a:rPr>
-              <a:t> how the </a:t>
-            </a:r>
-            <a:r>
-              <a:rPr lang="fr-FR" dirty="0" err="1">
-                <a:highlight>
-                  <a:srgbClr val="FFFF00"/>
-                </a:highlight>
-              </a:rPr>
-              <a:t>waste</a:t>
-            </a:r>
-            <a:r>
-              <a:rPr lang="fr-FR" dirty="0">
-                <a:highlight>
-                  <a:srgbClr val="FFFF00"/>
-                </a:highlight>
-              </a:rPr>
-              <a:t> </a:t>
-            </a:r>
-            <a:r>
-              <a:rPr lang="fr-FR" dirty="0" err="1">
-                <a:highlight>
-                  <a:srgbClr val="FFFF00"/>
-                </a:highlight>
-              </a:rPr>
-              <a:t>is</a:t>
-            </a:r>
-            <a:r>
-              <a:rPr lang="fr-FR" dirty="0">
-                <a:highlight>
-                  <a:srgbClr val="FFFF00"/>
-                </a:highlight>
-              </a:rPr>
-              <a:t> </a:t>
-            </a:r>
-            <a:r>
-              <a:rPr lang="fr-FR" dirty="0" err="1">
-                <a:highlight>
-                  <a:srgbClr val="FFFF00"/>
-                </a:highlight>
-              </a:rPr>
-              <a:t>distributed</a:t>
-            </a:r>
-            <a:endParaRPr lang="fr-FR" dirty="0">
-              <a:highlight>
-                <a:srgbClr val="FFFF00"/>
-              </a:highlight>
-            </a:endParaRPr>
-          </a:p>
-        </p:txBody>
-      </p:sp>
-      <p:pic>
-        <p:nvPicPr>
-          <p:cNvPr id="11" name="Image 10">
-            <a:extLst>
-              <a:ext uri="{FF2B5EF4-FFF2-40B4-BE49-F238E27FC236}">
-                <a16:creationId xmlns:a16="http://schemas.microsoft.com/office/drawing/2014/main" id="{29A48A93-5966-E462-FAD6-A913D248D07D}"/>
+                <a16:creationId xmlns:a16="http://schemas.microsoft.com/office/drawing/2014/main" id="{15EA3995-AD1D-177C-EBA1-258C404B0CED}"/>
               </a:ext>
             </a:extLst>
           </p:cNvPr>
@@ -5536,14 +6295,406 @@
         </p:blipFill>
         <p:spPr>
           <a:xfrm>
-            <a:off x="6904323" y="2959440"/>
-            <a:ext cx="4693563" cy="3238160"/>
+            <a:off x="4831355" y="2487747"/>
+            <a:ext cx="3168250" cy="4238125"/>
           </a:xfrm>
           <a:prstGeom prst="rect">
             <a:avLst/>
           </a:prstGeom>
         </p:spPr>
       </p:pic>
+      <p:sp>
+        <p:nvSpPr>
+          <p:cNvPr id="12" name="ZoneTexte 11">
+            <a:extLst>
+              <a:ext uri="{FF2B5EF4-FFF2-40B4-BE49-F238E27FC236}">
+                <a16:creationId xmlns:a16="http://schemas.microsoft.com/office/drawing/2014/main" id="{B75934E2-07D2-E8EB-2AE2-B870CBF83D63}"/>
+              </a:ext>
+            </a:extLst>
+          </p:cNvPr>
+          <p:cNvSpPr txBox="1"/>
+          <p:nvPr/>
+        </p:nvSpPr>
+        <p:spPr>
+          <a:xfrm>
+            <a:off x="8752961" y="3751132"/>
+            <a:ext cx="2706400" cy="1231106"/>
+          </a:xfrm>
+          <a:prstGeom prst="rect">
+            <a:avLst/>
+          </a:prstGeom>
+          <a:noFill/>
+        </p:spPr>
+        <p:txBody>
+          <a:bodyPr wrap="square" rtlCol="0">
+            <a:spAutoFit/>
+          </a:bodyPr>
+          <a:lstStyle/>
+          <a:p>
+            <a:pPr algn="ctr"/>
+            <a:r>
+              <a:rPr lang="fr-FR" b="1" dirty="0" err="1"/>
+              <a:t>Inhabitants</a:t>
+            </a:r>
+            <a:r>
+              <a:rPr lang="fr-FR" b="1" dirty="0"/>
+              <a:t> </a:t>
+            </a:r>
+            <a:r>
+              <a:rPr lang="fr-FR" b="1" dirty="0" err="1"/>
+              <a:t>throw</a:t>
+            </a:r>
+            <a:r>
+              <a:rPr lang="fr-FR" b="1" dirty="0"/>
+              <a:t> :</a:t>
+            </a:r>
+          </a:p>
+          <a:p>
+            <a:pPr marL="285750" indent="-285750">
+              <a:buFont typeface="Arial" panose="020B0604020202020204" pitchFamily="34" charset="0"/>
+              <a:buChar char="•"/>
+            </a:pPr>
+            <a:r>
+              <a:rPr lang="fr-FR" sz="1400" i="1" dirty="0"/>
+              <a:t>Solid </a:t>
+            </a:r>
+            <a:r>
+              <a:rPr lang="fr-FR" sz="1400" i="1" dirty="0" err="1"/>
+              <a:t>waste</a:t>
+            </a:r>
+            <a:r>
+              <a:rPr lang="fr-FR" sz="1400" i="1" dirty="0"/>
+              <a:t> and </a:t>
+            </a:r>
+            <a:r>
+              <a:rPr lang="fr-FR" sz="1400" i="1" dirty="0" err="1"/>
+              <a:t>wastewater</a:t>
+            </a:r>
+            <a:r>
+              <a:rPr lang="fr-FR" sz="1400" i="1" dirty="0"/>
+              <a:t> in </a:t>
+            </a:r>
+            <a:r>
+              <a:rPr lang="fr-FR" sz="1400" i="1" dirty="0" err="1"/>
+              <a:t>canals</a:t>
+            </a:r>
+            <a:endParaRPr lang="fr-FR" sz="1400" i="1" dirty="0"/>
+          </a:p>
+          <a:p>
+            <a:pPr marL="285750" indent="-285750">
+              <a:buFont typeface="Arial" panose="020B0604020202020204" pitchFamily="34" charset="0"/>
+              <a:buChar char="•"/>
+            </a:pPr>
+            <a:r>
+              <a:rPr lang="fr-FR" sz="1400" i="1" dirty="0"/>
+              <a:t>Solid </a:t>
+            </a:r>
+            <a:r>
+              <a:rPr lang="fr-FR" sz="1400" i="1" dirty="0" err="1"/>
+              <a:t>waste</a:t>
+            </a:r>
+            <a:r>
+              <a:rPr lang="fr-FR" sz="1400" i="1" dirty="0"/>
+              <a:t> on the </a:t>
+            </a:r>
+            <a:r>
+              <a:rPr lang="fr-FR" sz="1400" i="1" dirty="0" err="1"/>
+              <a:t>urban</a:t>
+            </a:r>
+            <a:r>
+              <a:rPr lang="fr-FR" sz="1400" i="1" dirty="0"/>
+              <a:t> areas’ </a:t>
+            </a:r>
+            <a:r>
+              <a:rPr lang="fr-FR" sz="1400" i="1" dirty="0" err="1"/>
+              <a:t>ground</a:t>
+            </a:r>
+            <a:endParaRPr lang="fr-FR" sz="1400" i="1" dirty="0"/>
+          </a:p>
+        </p:txBody>
+      </p:sp>
+      <p:sp>
+        <p:nvSpPr>
+          <p:cNvPr id="13" name="ZoneTexte 12">
+            <a:extLst>
+              <a:ext uri="{FF2B5EF4-FFF2-40B4-BE49-F238E27FC236}">
+                <a16:creationId xmlns:a16="http://schemas.microsoft.com/office/drawing/2014/main" id="{FBDE26FA-6EE9-84F1-EEF6-3A815BEFC725}"/>
+              </a:ext>
+            </a:extLst>
+          </p:cNvPr>
+          <p:cNvSpPr txBox="1"/>
+          <p:nvPr/>
+        </p:nvSpPr>
+        <p:spPr>
+          <a:xfrm>
+            <a:off x="1254602" y="3751132"/>
+            <a:ext cx="2706400" cy="1231106"/>
+          </a:xfrm>
+          <a:prstGeom prst="rect">
+            <a:avLst/>
+          </a:prstGeom>
+          <a:noFill/>
+        </p:spPr>
+        <p:txBody>
+          <a:bodyPr wrap="square" rtlCol="0">
+            <a:spAutoFit/>
+          </a:bodyPr>
+          <a:lstStyle/>
+          <a:p>
+            <a:pPr algn="ctr"/>
+            <a:r>
+              <a:rPr lang="fr-FR" b="1" dirty="0"/>
+              <a:t>Farmers </a:t>
+            </a:r>
+            <a:r>
+              <a:rPr lang="fr-FR" b="1" dirty="0" err="1"/>
+              <a:t>throw</a:t>
+            </a:r>
+            <a:r>
+              <a:rPr lang="fr-FR" b="1" dirty="0"/>
+              <a:t> :</a:t>
+            </a:r>
+          </a:p>
+          <a:p>
+            <a:pPr marL="285750" indent="-285750">
+              <a:buFont typeface="Arial" panose="020B0604020202020204" pitchFamily="34" charset="0"/>
+              <a:buChar char="•"/>
+            </a:pPr>
+            <a:r>
+              <a:rPr lang="fr-FR" sz="1400" i="1" dirty="0"/>
+              <a:t>Solid </a:t>
+            </a:r>
+            <a:r>
+              <a:rPr lang="fr-FR" sz="1400" i="1" dirty="0" err="1"/>
+              <a:t>waste</a:t>
+            </a:r>
+            <a:r>
+              <a:rPr lang="fr-FR" sz="1400" i="1" dirty="0"/>
+              <a:t> and </a:t>
+            </a:r>
+            <a:r>
+              <a:rPr lang="fr-FR" sz="1400" i="1" dirty="0" err="1"/>
+              <a:t>wastewater</a:t>
+            </a:r>
+            <a:r>
+              <a:rPr lang="fr-FR" sz="1400" i="1" dirty="0"/>
+              <a:t> in </a:t>
+            </a:r>
+            <a:r>
+              <a:rPr lang="fr-FR" sz="1400" i="1" dirty="0" err="1"/>
+              <a:t>canals</a:t>
+            </a:r>
+            <a:endParaRPr lang="fr-FR" sz="1400" i="1" dirty="0"/>
+          </a:p>
+          <a:p>
+            <a:pPr marL="285750" indent="-285750">
+              <a:buFont typeface="Arial" panose="020B0604020202020204" pitchFamily="34" charset="0"/>
+              <a:buChar char="•"/>
+            </a:pPr>
+            <a:r>
+              <a:rPr lang="fr-FR" sz="1400" i="1" dirty="0"/>
+              <a:t>Solid </a:t>
+            </a:r>
+            <a:r>
+              <a:rPr lang="fr-FR" sz="1400" i="1" dirty="0" err="1"/>
+              <a:t>waste</a:t>
+            </a:r>
+            <a:r>
+              <a:rPr lang="fr-FR" sz="1400" i="1" dirty="0"/>
+              <a:t> and </a:t>
+            </a:r>
+            <a:r>
+              <a:rPr lang="fr-FR" sz="1400" i="1" dirty="0" err="1"/>
+              <a:t>wastewater</a:t>
+            </a:r>
+            <a:r>
+              <a:rPr lang="fr-FR" sz="1400" i="1" dirty="0"/>
+              <a:t> on the </a:t>
+            </a:r>
+            <a:r>
+              <a:rPr lang="fr-FR" sz="1400" i="1" dirty="0" err="1"/>
+              <a:t>fields</a:t>
+            </a:r>
+            <a:endParaRPr lang="fr-FR" sz="1400" i="1" dirty="0"/>
+          </a:p>
+        </p:txBody>
+      </p:sp>
+      <p:cxnSp>
+        <p:nvCxnSpPr>
+          <p:cNvPr id="14" name="Connecteur droit avec flèche 13">
+            <a:extLst>
+              <a:ext uri="{FF2B5EF4-FFF2-40B4-BE49-F238E27FC236}">
+                <a16:creationId xmlns:a16="http://schemas.microsoft.com/office/drawing/2014/main" id="{3BCDEE3E-D970-2804-02E5-20437EAAD608}"/>
+              </a:ext>
+            </a:extLst>
+          </p:cNvPr>
+          <p:cNvCxnSpPr>
+            <a:cxnSpLocks/>
+          </p:cNvCxnSpPr>
+          <p:nvPr/>
+        </p:nvCxnSpPr>
+        <p:spPr>
+          <a:xfrm>
+            <a:off x="3850547" y="4177717"/>
+            <a:ext cx="2466363" cy="83890"/>
+          </a:xfrm>
+          <a:prstGeom prst="straightConnector1">
+            <a:avLst/>
+          </a:prstGeom>
+          <a:ln w="28575">
+            <a:solidFill>
+              <a:srgbClr val="FF0000"/>
+            </a:solidFill>
+            <a:tailEnd type="triangle"/>
+          </a:ln>
+        </p:spPr>
+        <p:style>
+          <a:lnRef idx="1">
+            <a:schemeClr val="accent1"/>
+          </a:lnRef>
+          <a:fillRef idx="0">
+            <a:schemeClr val="accent1"/>
+          </a:fillRef>
+          <a:effectRef idx="0">
+            <a:schemeClr val="accent1"/>
+          </a:effectRef>
+          <a:fontRef idx="minor">
+            <a:schemeClr val="tx1"/>
+          </a:fontRef>
+        </p:style>
+      </p:cxnSp>
+      <p:cxnSp>
+        <p:nvCxnSpPr>
+          <p:cNvPr id="16" name="Connecteur droit avec flèche 15">
+            <a:extLst>
+              <a:ext uri="{FF2B5EF4-FFF2-40B4-BE49-F238E27FC236}">
+                <a16:creationId xmlns:a16="http://schemas.microsoft.com/office/drawing/2014/main" id="{BFEF5DF5-0165-C1FF-803F-C3940E1168E8}"/>
+              </a:ext>
+            </a:extLst>
+          </p:cNvPr>
+          <p:cNvCxnSpPr>
+            <a:cxnSpLocks/>
+          </p:cNvCxnSpPr>
+          <p:nvPr/>
+        </p:nvCxnSpPr>
+        <p:spPr>
+          <a:xfrm>
+            <a:off x="3850547" y="4756558"/>
+            <a:ext cx="2382473" cy="414720"/>
+          </a:xfrm>
+          <a:prstGeom prst="straightConnector1">
+            <a:avLst/>
+          </a:prstGeom>
+          <a:ln w="28575">
+            <a:solidFill>
+              <a:srgbClr val="FF0000"/>
+            </a:solidFill>
+            <a:tailEnd type="triangle"/>
+          </a:ln>
+        </p:spPr>
+        <p:style>
+          <a:lnRef idx="1">
+            <a:schemeClr val="accent1"/>
+          </a:lnRef>
+          <a:fillRef idx="0">
+            <a:schemeClr val="accent1"/>
+          </a:fillRef>
+          <a:effectRef idx="0">
+            <a:schemeClr val="accent1"/>
+          </a:effectRef>
+          <a:fontRef idx="minor">
+            <a:schemeClr val="tx1"/>
+          </a:fontRef>
+        </p:style>
+      </p:cxnSp>
+      <p:cxnSp>
+        <p:nvCxnSpPr>
+          <p:cNvPr id="19" name="Connecteur droit avec flèche 18">
+            <a:extLst>
+              <a:ext uri="{FF2B5EF4-FFF2-40B4-BE49-F238E27FC236}">
+                <a16:creationId xmlns:a16="http://schemas.microsoft.com/office/drawing/2014/main" id="{8F0D88F2-0641-86BA-3D67-0B01B7BC3DED}"/>
+              </a:ext>
+            </a:extLst>
+          </p:cNvPr>
+          <p:cNvCxnSpPr>
+            <a:cxnSpLocks/>
+          </p:cNvCxnSpPr>
+          <p:nvPr/>
+        </p:nvCxnSpPr>
+        <p:spPr>
+          <a:xfrm flipH="1" flipV="1">
+            <a:off x="7441035" y="3429000"/>
+            <a:ext cx="1428923" cy="748717"/>
+          </a:xfrm>
+          <a:prstGeom prst="straightConnector1">
+            <a:avLst/>
+          </a:prstGeom>
+          <a:ln w="28575">
+            <a:solidFill>
+              <a:srgbClr val="FF0000"/>
+            </a:solidFill>
+            <a:tailEnd type="triangle"/>
+          </a:ln>
+        </p:spPr>
+        <p:style>
+          <a:lnRef idx="1">
+            <a:schemeClr val="accent1"/>
+          </a:lnRef>
+          <a:fillRef idx="0">
+            <a:schemeClr val="accent1"/>
+          </a:fillRef>
+          <a:effectRef idx="0">
+            <a:schemeClr val="accent1"/>
+          </a:effectRef>
+          <a:fontRef idx="minor">
+            <a:schemeClr val="tx1"/>
+          </a:fontRef>
+        </p:style>
+      </p:cxnSp>
+      <p:cxnSp>
+        <p:nvCxnSpPr>
+          <p:cNvPr id="22" name="Connecteur droit avec flèche 21">
+            <a:extLst>
+              <a:ext uri="{FF2B5EF4-FFF2-40B4-BE49-F238E27FC236}">
+                <a16:creationId xmlns:a16="http://schemas.microsoft.com/office/drawing/2014/main" id="{935D2B49-447C-B212-542C-561E7E0E9FE9}"/>
+              </a:ext>
+            </a:extLst>
+          </p:cNvPr>
+          <p:cNvCxnSpPr>
+            <a:cxnSpLocks/>
+          </p:cNvCxnSpPr>
+          <p:nvPr/>
+        </p:nvCxnSpPr>
+        <p:spPr>
+          <a:xfrm flipH="1">
+            <a:off x="7441035" y="4606809"/>
+            <a:ext cx="1428923" cy="697561"/>
+          </a:xfrm>
+          <a:prstGeom prst="straightConnector1">
+            <a:avLst/>
+          </a:prstGeom>
+          <a:ln w="28575">
+            <a:solidFill>
+              <a:srgbClr val="FF0000"/>
+            </a:solidFill>
+            <a:tailEnd type="triangle"/>
+          </a:ln>
+        </p:spPr>
+        <p:style>
+          <a:lnRef idx="1">
+            <a:schemeClr val="accent1"/>
+          </a:lnRef>
+          <a:fillRef idx="0">
+            <a:schemeClr val="accent1"/>
+          </a:fillRef>
+          <a:effectRef idx="0">
+            <a:schemeClr val="accent1"/>
+          </a:effectRef>
+          <a:fontRef idx="minor">
+            <a:schemeClr val="tx1"/>
+          </a:fontRef>
+        </p:style>
+      </p:cxnSp>
     </p:spTree>
     <p:extLst>
       <p:ext uri="{BB962C8B-B14F-4D97-AF65-F5344CB8AC3E}">
@@ -5579,7 +6730,7 @@
           <p:cNvPr id="2" name="Titre 1">
             <a:extLst>
               <a:ext uri="{FF2B5EF4-FFF2-40B4-BE49-F238E27FC236}">
-                <a16:creationId xmlns:a16="http://schemas.microsoft.com/office/drawing/2014/main" id="{0E2F3374-0459-9ECA-D3B9-B547F2ABCA1C}"/>
+                <a16:creationId xmlns:a16="http://schemas.microsoft.com/office/drawing/2014/main" id="{C2E56376-A79C-FF69-2BB0-623414FFA6AA}"/>
               </a:ext>
             </a:extLst>
           </p:cNvPr>
@@ -5592,31 +6743,38 @@
         </p:nvSpPr>
         <p:spPr>
           <a:xfrm>
-            <a:off x="1371600" y="267050"/>
-            <a:ext cx="9601200" cy="723550"/>
-          </a:xfrm>
-        </p:spPr>
-        <p:txBody>
-          <a:bodyPr/>
+            <a:off x="1371600" y="383796"/>
+            <a:ext cx="9601200" cy="681606"/>
+          </a:xfrm>
+        </p:spPr>
+        <p:txBody>
+          <a:bodyPr>
+            <a:normAutofit fontScale="90000"/>
+          </a:bodyPr>
           <a:lstStyle/>
           <a:p>
             <a:r>
               <a:rPr lang="fr-FR" dirty="0" err="1"/>
-              <a:t>Players</a:t>
-            </a:r>
-            <a:r>
-              <a:rPr lang="fr-FR" dirty="0"/>
-              <a:t>’ objective and actions </a:t>
-            </a:r>
-          </a:p>
-        </p:txBody>
-      </p:sp>
-      <p:sp>
-        <p:nvSpPr>
-          <p:cNvPr id="3" name="Espace réservé du contenu 2">
+              <a:t>Functionning</a:t>
+            </a:r>
+            <a:r>
+              <a:rPr lang="fr-FR" dirty="0"/>
+              <a:t> of the </a:t>
+            </a:r>
+            <a:r>
+              <a:rPr lang="fr-FR" dirty="0" err="1"/>
+              <a:t>territory</a:t>
+            </a:r>
+            <a:endParaRPr lang="fr-FR" dirty="0"/>
+          </a:p>
+        </p:txBody>
+      </p:sp>
+      <p:sp>
+        <p:nvSpPr>
+          <p:cNvPr id="4" name="Espace réservé du contenu 3">
             <a:extLst>
               <a:ext uri="{FF2B5EF4-FFF2-40B4-BE49-F238E27FC236}">
-                <a16:creationId xmlns:a16="http://schemas.microsoft.com/office/drawing/2014/main" id="{3ABDDACC-D8A6-743D-3C89-986F4AF38826}"/>
+                <a16:creationId xmlns:a16="http://schemas.microsoft.com/office/drawing/2014/main" id="{DCFD9254-8F74-0618-30E5-2C824FF0032A}"/>
               </a:ext>
             </a:extLst>
           </p:cNvPr>
@@ -5624,13 +6782,13 @@
             <a:spLocks noGrp="1"/>
           </p:cNvSpPr>
           <p:nvPr>
-            <p:ph idx="1"/>
-          </p:nvPr>
-        </p:nvSpPr>
-        <p:spPr>
-          <a:xfrm>
-            <a:off x="1371600" y="1182848"/>
-            <a:ext cx="9601200" cy="4684552"/>
+            <p:ph sz="half" idx="1"/>
+          </p:nvPr>
+        </p:nvSpPr>
+        <p:spPr>
+          <a:xfrm>
+            <a:off x="1371600" y="1291905"/>
+            <a:ext cx="4447786" cy="4575496"/>
           </a:xfrm>
         </p:spPr>
         <p:txBody>
@@ -5639,31 +6797,193 @@
           <a:p>
             <a:r>
               <a:rPr lang="fr-FR" dirty="0" err="1"/>
-              <a:t>Players</a:t>
-            </a:r>
-            <a:r>
-              <a:rPr lang="fr-FR" dirty="0"/>
-              <a:t>’ objective : </a:t>
-            </a:r>
-            <a:r>
-              <a:rPr lang="fr-FR" dirty="0" err="1"/>
-              <a:t>take</a:t>
-            </a:r>
-            <a:r>
-              <a:rPr lang="fr-FR" dirty="0"/>
-              <a:t> actions </a:t>
-            </a:r>
-            <a:r>
-              <a:rPr lang="fr-FR" dirty="0" err="1"/>
-              <a:t>every</a:t>
-            </a:r>
-            <a:r>
-              <a:rPr lang="fr-FR" dirty="0"/>
-              <a:t> </a:t>
-            </a:r>
-            <a:r>
-              <a:rPr lang="fr-FR" dirty="0" err="1"/>
-              <a:t>turn</a:t>
+              <a:t>Every</a:t>
+            </a:r>
+            <a:r>
+              <a:rPr lang="fr-FR" dirty="0"/>
+              <a:t> </a:t>
+            </a:r>
+            <a:r>
+              <a:rPr lang="fr-FR" dirty="0" err="1"/>
+              <a:t>week</a:t>
+            </a:r>
+            <a:r>
+              <a:rPr lang="fr-FR" dirty="0"/>
+              <a:t>, </a:t>
+            </a:r>
+            <a:r>
+              <a:rPr lang="fr-FR" dirty="0" err="1"/>
+              <a:t>some</a:t>
+            </a:r>
+            <a:r>
+              <a:rPr lang="fr-FR" dirty="0"/>
+              <a:t> of the </a:t>
+            </a:r>
+            <a:r>
+              <a:rPr lang="fr-FR" dirty="0" err="1"/>
+              <a:t>urban</a:t>
+            </a:r>
+            <a:r>
+              <a:rPr lang="fr-FR" dirty="0"/>
+              <a:t> areas’ </a:t>
+            </a:r>
+            <a:r>
+              <a:rPr lang="fr-FR" dirty="0" err="1"/>
+              <a:t>waste</a:t>
+            </a:r>
+            <a:r>
+              <a:rPr lang="fr-FR" dirty="0"/>
+              <a:t> </a:t>
+            </a:r>
+            <a:r>
+              <a:rPr lang="fr-FR" dirty="0" err="1"/>
+              <a:t>is</a:t>
+            </a:r>
+            <a:r>
+              <a:rPr lang="fr-FR" dirty="0"/>
+              <a:t> </a:t>
+            </a:r>
+            <a:r>
+              <a:rPr lang="fr-FR" dirty="0" err="1"/>
+              <a:t>transferred</a:t>
+            </a:r>
+            <a:r>
+              <a:rPr lang="fr-FR" dirty="0"/>
+              <a:t> to the local </a:t>
+            </a:r>
+            <a:r>
+              <a:rPr lang="fr-FR" dirty="0" err="1"/>
+              <a:t>landfill</a:t>
+            </a:r>
+            <a:r>
+              <a:rPr lang="fr-FR" dirty="0"/>
+              <a:t> and </a:t>
+            </a:r>
+            <a:r>
+              <a:rPr lang="fr-FR" dirty="0" err="1"/>
+              <a:t>then</a:t>
+            </a:r>
+            <a:r>
+              <a:rPr lang="fr-FR" dirty="0"/>
+              <a:t> to the communal </a:t>
+            </a:r>
+            <a:r>
+              <a:rPr lang="fr-FR" dirty="0" err="1"/>
+              <a:t>landfill</a:t>
+            </a:r>
+            <a:endParaRPr lang="fr-FR" dirty="0"/>
+          </a:p>
+          <a:p>
+            <a:r>
+              <a:rPr lang="fr-FR" dirty="0" err="1"/>
+              <a:t>Landfills</a:t>
+            </a:r>
+            <a:r>
+              <a:rPr lang="fr-FR" dirty="0"/>
+              <a:t> have an impact on the </a:t>
+            </a:r>
+            <a:r>
+              <a:rPr lang="fr-FR" dirty="0" err="1"/>
+              <a:t>fields</a:t>
+            </a:r>
+            <a:r>
+              <a:rPr lang="fr-FR" dirty="0"/>
+              <a:t>’ production </a:t>
+            </a:r>
+            <a:r>
+              <a:rPr lang="fr-FR" dirty="0" err="1"/>
+              <a:t>nearby</a:t>
+            </a:r>
+            <a:r>
+              <a:rPr lang="fr-FR" dirty="0"/>
+              <a:t>, </a:t>
+            </a:r>
+            <a:r>
+              <a:rPr lang="fr-FR" dirty="0" err="1"/>
+              <a:t>so</a:t>
+            </a:r>
+            <a:r>
+              <a:rPr lang="fr-FR" dirty="0"/>
+              <a:t> </a:t>
+            </a:r>
+            <a:r>
+              <a:rPr lang="fr-FR" dirty="0" err="1"/>
+              <a:t>that</a:t>
+            </a:r>
+            <a:r>
+              <a:rPr lang="fr-FR" dirty="0"/>
+              <a:t> the more </a:t>
+            </a:r>
+            <a:r>
+              <a:rPr lang="fr-FR" dirty="0" err="1"/>
+              <a:t>waste</a:t>
+            </a:r>
+            <a:r>
+              <a:rPr lang="fr-FR" dirty="0"/>
+              <a:t> </a:t>
+            </a:r>
+            <a:r>
+              <a:rPr lang="fr-FR" dirty="0" err="1"/>
+              <a:t>is</a:t>
+            </a:r>
+            <a:r>
+              <a:rPr lang="fr-FR" dirty="0"/>
+              <a:t> </a:t>
+            </a:r>
+            <a:r>
+              <a:rPr lang="fr-FR" dirty="0" err="1"/>
+              <a:t>accumulated</a:t>
+            </a:r>
+            <a:r>
+              <a:rPr lang="fr-FR" dirty="0"/>
+              <a:t>, the </a:t>
+            </a:r>
+            <a:r>
+              <a:rPr lang="fr-FR" dirty="0" err="1"/>
+              <a:t>less</a:t>
+            </a:r>
+            <a:r>
+              <a:rPr lang="fr-FR" dirty="0"/>
+              <a:t> </a:t>
+            </a:r>
+            <a:r>
+              <a:rPr lang="fr-FR" dirty="0" err="1"/>
+              <a:t>these</a:t>
+            </a:r>
+            <a:r>
+              <a:rPr lang="fr-FR" dirty="0"/>
+              <a:t> </a:t>
+            </a:r>
+            <a:r>
+              <a:rPr lang="fr-FR" dirty="0" err="1"/>
+              <a:t>fields</a:t>
+            </a:r>
+            <a:r>
+              <a:rPr lang="fr-FR" dirty="0"/>
+              <a:t> </a:t>
+            </a:r>
+            <a:r>
+              <a:rPr lang="fr-FR" dirty="0" err="1"/>
+              <a:t>will</a:t>
+            </a:r>
+            <a:r>
+              <a:rPr lang="fr-FR" dirty="0"/>
+              <a:t> </a:t>
+            </a:r>
+            <a:r>
+              <a:rPr lang="fr-FR" dirty="0" err="1"/>
+              <a:t>produce</a:t>
+            </a:r>
+            <a:endParaRPr lang="fr-FR" dirty="0"/>
+          </a:p>
+          <a:p>
+            <a:r>
+              <a:rPr lang="fr-FR" dirty="0"/>
+              <a:t>Global pollution has an impact on the villages’ </a:t>
+            </a:r>
+            <a:r>
+              <a:rPr lang="fr-FR" dirty="0" err="1"/>
+              <a:t>ability</a:t>
             </a:r>
             <a:r>
               <a:rPr lang="fr-FR" dirty="0"/>
@@ -5671,171 +6991,258 @@
             </a:r>
             <a:r>
               <a:rPr lang="fr-FR" dirty="0" err="1"/>
-              <a:t>meet</a:t>
-            </a:r>
-            <a:r>
-              <a:rPr lang="fr-FR" dirty="0"/>
-              <a:t> the </a:t>
-            </a:r>
-            <a:r>
-              <a:rPr lang="fr-FR" dirty="0" err="1"/>
-              <a:t>EcoLabel</a:t>
-            </a:r>
-            <a:r>
-              <a:rPr lang="fr-FR" dirty="0"/>
-              <a:t> </a:t>
-            </a:r>
-            <a:r>
-              <a:rPr lang="fr-FR" dirty="0" err="1"/>
-              <a:t>criteria</a:t>
-            </a:r>
-            <a:r>
-              <a:rPr lang="fr-FR" dirty="0"/>
-              <a:t> </a:t>
-            </a:r>
-            <a:r>
-              <a:rPr lang="fr-FR" dirty="0" err="1"/>
-              <a:t>linked</a:t>
-            </a:r>
-            <a:r>
-              <a:rPr lang="fr-FR" dirty="0"/>
-              <a:t> to pollution and production</a:t>
-            </a:r>
-          </a:p>
-          <a:p>
+              <a:t>produce</a:t>
+            </a:r>
+            <a:r>
+              <a:rPr lang="fr-FR" dirty="0"/>
+              <a:t> agricultural </a:t>
+            </a:r>
+            <a:r>
+              <a:rPr lang="fr-FR" dirty="0" err="1"/>
+              <a:t>goods</a:t>
+            </a:r>
+            <a:r>
+              <a:rPr lang="fr-FR" dirty="0"/>
+              <a:t>. This pollution can </a:t>
+            </a:r>
+            <a:r>
+              <a:rPr lang="fr-FR" dirty="0" err="1"/>
+              <a:t>either</a:t>
+            </a:r>
+            <a:r>
+              <a:rPr lang="fr-FR" dirty="0"/>
+              <a:t> </a:t>
+            </a:r>
+            <a:r>
+              <a:rPr lang="fr-FR" dirty="0" err="1"/>
+              <a:t>stay</a:t>
+            </a:r>
+            <a:r>
+              <a:rPr lang="fr-FR" dirty="0"/>
+              <a:t> in the original village or </a:t>
+            </a:r>
+            <a:r>
+              <a:rPr lang="fr-FR" dirty="0" err="1"/>
+              <a:t>travel</a:t>
+            </a:r>
+            <a:r>
+              <a:rPr lang="fr-FR" dirty="0"/>
+              <a:t> to </a:t>
+            </a:r>
+            <a:r>
+              <a:rPr lang="fr-FR" dirty="0" err="1"/>
+              <a:t>other</a:t>
+            </a:r>
+            <a:r>
+              <a:rPr lang="fr-FR" dirty="0"/>
+              <a:t> villages </a:t>
+            </a:r>
+            <a:r>
+              <a:rPr lang="fr-FR" dirty="0" err="1"/>
+              <a:t>through</a:t>
+            </a:r>
+            <a:r>
+              <a:rPr lang="fr-FR" dirty="0"/>
+              <a:t> </a:t>
+            </a:r>
+            <a:r>
+              <a:rPr lang="fr-FR" dirty="0" err="1"/>
+              <a:t>canals</a:t>
+            </a:r>
             <a:endParaRPr lang="fr-FR" dirty="0"/>
           </a:p>
-          <a:p>
-            <a:r>
-              <a:rPr lang="fr-FR" dirty="0" err="1"/>
-              <a:t>Each</a:t>
-            </a:r>
-            <a:r>
-              <a:rPr lang="fr-FR" dirty="0"/>
-              <a:t> </a:t>
-            </a:r>
-            <a:r>
-              <a:rPr lang="fr-FR" dirty="0" err="1"/>
-              <a:t>player</a:t>
-            </a:r>
-            <a:r>
-              <a:rPr lang="fr-FR" dirty="0"/>
-              <a:t> has in </a:t>
-            </a:r>
-            <a:r>
-              <a:rPr lang="fr-FR" dirty="0" err="1"/>
-              <a:t>their</a:t>
-            </a:r>
-            <a:r>
-              <a:rPr lang="fr-FR" dirty="0"/>
-              <a:t> </a:t>
-            </a:r>
-            <a:r>
-              <a:rPr lang="fr-FR" dirty="0" err="1"/>
-              <a:t>posession</a:t>
-            </a:r>
-            <a:r>
-              <a:rPr lang="fr-FR" dirty="0"/>
-              <a:t> a deck of 9 actions </a:t>
-            </a:r>
-            <a:r>
-              <a:rPr lang="fr-FR" dirty="0" err="1"/>
-              <a:t>that</a:t>
-            </a:r>
-            <a:r>
-              <a:rPr lang="fr-FR" dirty="0"/>
-              <a:t> have </a:t>
-            </a:r>
-            <a:r>
-              <a:rPr lang="fr-FR" dirty="0" err="1"/>
-              <a:t>different</a:t>
-            </a:r>
-            <a:r>
-              <a:rPr lang="fr-FR" dirty="0"/>
-              <a:t> impacts on pollution and production </a:t>
-            </a:r>
-          </a:p>
-          <a:p>
-            <a:pPr marL="0" indent="0">
-              <a:buNone/>
-            </a:pPr>
-            <a:endParaRPr lang="fr-FR" dirty="0"/>
-          </a:p>
-        </p:txBody>
-      </p:sp>
-      <p:sp>
-        <p:nvSpPr>
-          <p:cNvPr id="4" name="ZoneTexte 3">
+        </p:txBody>
+      </p:sp>
+      <p:sp>
+        <p:nvSpPr>
+          <p:cNvPr id="5" name="Espace réservé du contenu 4">
             <a:extLst>
               <a:ext uri="{FF2B5EF4-FFF2-40B4-BE49-F238E27FC236}">
-                <a16:creationId xmlns:a16="http://schemas.microsoft.com/office/drawing/2014/main" id="{BC688178-4B9F-F469-0916-83625E1BB038}"/>
+                <a16:creationId xmlns:a16="http://schemas.microsoft.com/office/drawing/2014/main" id="{36EC80C3-F42C-68AD-B12A-F405B3A30D3D}"/>
               </a:ext>
             </a:extLst>
           </p:cNvPr>
-          <p:cNvSpPr txBox="1"/>
+          <p:cNvSpPr>
+            <a:spLocks noGrp="1"/>
+          </p:cNvSpPr>
+          <p:nvPr>
+            <p:ph sz="half" idx="2"/>
+          </p:nvPr>
+        </p:nvSpPr>
+        <p:spPr>
+          <a:xfrm>
+            <a:off x="6525403" y="1291905"/>
+            <a:ext cx="4447786" cy="4575495"/>
+          </a:xfrm>
+        </p:spPr>
+        <p:txBody>
+          <a:bodyPr/>
+          <a:lstStyle/>
+          <a:p>
+            <a:r>
+              <a:rPr lang="fr-FR" dirty="0"/>
+              <a:t>The </a:t>
+            </a:r>
+            <a:r>
+              <a:rPr lang="fr-FR" dirty="0" err="1"/>
+              <a:t>canals</a:t>
+            </a:r>
+            <a:r>
+              <a:rPr lang="fr-FR" dirty="0"/>
+              <a:t> have a </a:t>
+            </a:r>
+            <a:r>
+              <a:rPr lang="fr-FR" dirty="0" err="1"/>
+              <a:t>specific</a:t>
+            </a:r>
+            <a:r>
+              <a:rPr lang="fr-FR" dirty="0"/>
+              <a:t> </a:t>
+            </a:r>
+            <a:r>
+              <a:rPr lang="fr-FR" dirty="0" err="1"/>
+              <a:t>way</a:t>
+            </a:r>
+            <a:r>
+              <a:rPr lang="fr-FR" dirty="0"/>
+              <a:t> to </a:t>
+            </a:r>
+            <a:r>
+              <a:rPr lang="fr-FR" dirty="0" err="1"/>
+              <a:t>make</a:t>
+            </a:r>
+            <a:r>
+              <a:rPr lang="fr-FR" dirty="0"/>
+              <a:t> </a:t>
+            </a:r>
+            <a:r>
+              <a:rPr lang="fr-FR" dirty="0" err="1"/>
+              <a:t>wastes</a:t>
+            </a:r>
+            <a:r>
+              <a:rPr lang="fr-FR" dirty="0"/>
+              <a:t> </a:t>
+            </a:r>
+            <a:r>
+              <a:rPr lang="fr-FR" dirty="0" err="1"/>
+              <a:t>travel</a:t>
+            </a:r>
+            <a:r>
+              <a:rPr lang="fr-FR" dirty="0"/>
+              <a:t> </a:t>
+            </a:r>
+            <a:r>
+              <a:rPr lang="fr-FR" dirty="0" err="1"/>
+              <a:t>throughout</a:t>
+            </a:r>
+            <a:r>
+              <a:rPr lang="fr-FR" dirty="0"/>
+              <a:t> the </a:t>
+            </a:r>
+            <a:r>
+              <a:rPr lang="fr-FR" dirty="0" err="1"/>
+              <a:t>territory</a:t>
+            </a:r>
+            <a:r>
+              <a:rPr lang="fr-FR" dirty="0"/>
+              <a:t> </a:t>
+            </a:r>
+            <a:r>
+              <a:rPr lang="fr-FR" i="1" dirty="0"/>
+              <a:t>(</a:t>
+            </a:r>
+            <a:r>
+              <a:rPr lang="fr-FR" i="1" dirty="0" err="1"/>
+              <a:t>see</a:t>
+            </a:r>
+            <a:r>
+              <a:rPr lang="fr-FR" i="1" dirty="0"/>
+              <a:t> on </a:t>
+            </a:r>
+            <a:r>
+              <a:rPr lang="fr-FR" i="1" dirty="0" err="1"/>
+              <a:t>presentation</a:t>
+            </a:r>
+            <a:r>
+              <a:rPr lang="fr-FR" i="1" dirty="0"/>
+              <a:t> model)</a:t>
+            </a:r>
+            <a:endParaRPr lang="fr-FR" dirty="0"/>
+          </a:p>
+        </p:txBody>
+      </p:sp>
+      <p:cxnSp>
+        <p:nvCxnSpPr>
+          <p:cNvPr id="6" name="Connecteur droit 5">
+            <a:extLst>
+              <a:ext uri="{FF2B5EF4-FFF2-40B4-BE49-F238E27FC236}">
+                <a16:creationId xmlns:a16="http://schemas.microsoft.com/office/drawing/2014/main" id="{84DF8A3F-1956-85B9-D734-A047F181C40E}"/>
+              </a:ext>
+            </a:extLst>
+          </p:cNvPr>
+          <p:cNvCxnSpPr>
+            <a:cxnSpLocks/>
+          </p:cNvCxnSpPr>
           <p:nvPr/>
-        </p:nvSpPr>
-        <p:spPr>
-          <a:xfrm>
-            <a:off x="4790113" y="4160241"/>
-            <a:ext cx="2902591" cy="369332"/>
+        </p:nvCxnSpPr>
+        <p:spPr>
+          <a:xfrm>
+            <a:off x="6096000" y="1166070"/>
+            <a:ext cx="61519" cy="5285064"/>
+          </a:xfrm>
+          <a:prstGeom prst="line">
+            <a:avLst/>
+          </a:prstGeom>
+        </p:spPr>
+        <p:style>
+          <a:lnRef idx="1">
+            <a:schemeClr val="dk1"/>
+          </a:lnRef>
+          <a:fillRef idx="0">
+            <a:schemeClr val="dk1"/>
+          </a:fillRef>
+          <a:effectRef idx="0">
+            <a:schemeClr val="dk1"/>
+          </a:effectRef>
+          <a:fontRef idx="minor">
+            <a:schemeClr val="tx1"/>
+          </a:fontRef>
+        </p:style>
+      </p:cxnSp>
+      <p:pic>
+        <p:nvPicPr>
+          <p:cNvPr id="11" name="Image 10">
+            <a:extLst>
+              <a:ext uri="{FF2B5EF4-FFF2-40B4-BE49-F238E27FC236}">
+                <a16:creationId xmlns:a16="http://schemas.microsoft.com/office/drawing/2014/main" id="{29A48A93-5966-E462-FAD6-A913D248D07D}"/>
+              </a:ext>
+            </a:extLst>
+          </p:cNvPr>
+          <p:cNvPicPr>
+            <a:picLocks noChangeAspect="1"/>
+          </p:cNvPicPr>
+          <p:nvPr/>
+        </p:nvPicPr>
+        <p:blipFill>
+          <a:blip r:embed="rId2"/>
+          <a:stretch>
+            <a:fillRect/>
+          </a:stretch>
+        </p:blipFill>
+        <p:spPr>
+          <a:xfrm>
+            <a:off x="6904323" y="2959440"/>
+            <a:ext cx="4693563" cy="3238160"/>
           </a:xfrm>
           <a:prstGeom prst="rect">
             <a:avLst/>
           </a:prstGeom>
-          <a:noFill/>
-        </p:spPr>
-        <p:txBody>
-          <a:bodyPr wrap="square" rtlCol="0">
-            <a:spAutoFit/>
-          </a:bodyPr>
-          <a:lstStyle/>
-          <a:p>
-            <a:pPr algn="ctr"/>
-            <a:r>
-              <a:rPr lang="fr-FR" dirty="0">
-                <a:highlight>
-                  <a:srgbClr val="FFFF00"/>
-                </a:highlight>
-              </a:rPr>
-              <a:t>Insert image of </a:t>
-            </a:r>
-            <a:r>
-              <a:rPr lang="fr-FR" dirty="0" err="1">
-                <a:highlight>
-                  <a:srgbClr val="FFFF00"/>
-                </a:highlight>
-              </a:rPr>
-              <a:t>two</a:t>
-            </a:r>
-            <a:r>
-              <a:rPr lang="fr-FR" dirty="0">
-                <a:highlight>
-                  <a:srgbClr val="FFFF00"/>
-                </a:highlight>
-              </a:rPr>
-              <a:t> </a:t>
-            </a:r>
-            <a:r>
-              <a:rPr lang="fr-FR" dirty="0" err="1">
-                <a:highlight>
-                  <a:srgbClr val="FFFF00"/>
-                </a:highlight>
-              </a:rPr>
-              <a:t>cards</a:t>
-            </a:r>
-            <a:endParaRPr lang="fr-FR" dirty="0">
-              <a:highlight>
-                <a:srgbClr val="FFFF00"/>
-              </a:highlight>
-            </a:endParaRPr>
-          </a:p>
-        </p:txBody>
-      </p:sp>
+        </p:spPr>
+      </p:pic>
     </p:spTree>
     <p:extLst>
       <p:ext uri="{BB962C8B-B14F-4D97-AF65-F5344CB8AC3E}">
-        <p14:creationId xmlns:p14="http://schemas.microsoft.com/office/powerpoint/2010/main" val="1465292039"/>
+        <p14:creationId xmlns:p14="http://schemas.microsoft.com/office/powerpoint/2010/main" val="806998631"/>
       </p:ext>
     </p:extLst>
   </p:cSld>
@@ -5867,7 +7274,7 @@
           <p:cNvPr id="2" name="Titre 1">
             <a:extLst>
               <a:ext uri="{FF2B5EF4-FFF2-40B4-BE49-F238E27FC236}">
-                <a16:creationId xmlns:a16="http://schemas.microsoft.com/office/drawing/2014/main" id="{97D5DA5B-9928-F364-85EE-BD6F1D4E5A06}"/>
+                <a16:creationId xmlns:a16="http://schemas.microsoft.com/office/drawing/2014/main" id="{0E2F3374-0459-9ECA-D3B9-B547F2ABCA1C}"/>
               </a:ext>
             </a:extLst>
           </p:cNvPr>
@@ -5880,8 +7287,8 @@
         </p:nvSpPr>
         <p:spPr>
           <a:xfrm>
-            <a:off x="1371600" y="685800"/>
-            <a:ext cx="9601200" cy="773884"/>
+            <a:off x="1371600" y="267050"/>
+            <a:ext cx="9601200" cy="723550"/>
           </a:xfrm>
         </p:spPr>
         <p:txBody>
@@ -5904,7 +7311,7 @@
           <p:cNvPr id="3" name="Espace réservé du contenu 2">
             <a:extLst>
               <a:ext uri="{FF2B5EF4-FFF2-40B4-BE49-F238E27FC236}">
-                <a16:creationId xmlns:a16="http://schemas.microsoft.com/office/drawing/2014/main" id="{946AD871-712A-436F-8E05-322B5E2A77D6}"/>
+                <a16:creationId xmlns:a16="http://schemas.microsoft.com/office/drawing/2014/main" id="{3ABDDACC-D8A6-743D-3C89-986F4AF38826}"/>
               </a:ext>
             </a:extLst>
           </p:cNvPr>
@@ -5917,8 +7324,8 @@
         </p:nvSpPr>
         <p:spPr>
           <a:xfrm>
-            <a:off x="1371600" y="1644241"/>
-            <a:ext cx="9601200" cy="4681057"/>
+            <a:off x="1371600" y="1182848"/>
+            <a:ext cx="9601200" cy="4684552"/>
           </a:xfrm>
         </p:spPr>
         <p:txBody>
@@ -5927,11 +7334,112 @@
           <a:p>
             <a:r>
               <a:rPr lang="fr-FR" dirty="0" err="1"/>
+              <a:t>Players</a:t>
+            </a:r>
+            <a:r>
+              <a:rPr lang="fr-FR" dirty="0"/>
+              <a:t>’ objective : </a:t>
+            </a:r>
+            <a:r>
+              <a:rPr lang="fr-FR" dirty="0" err="1"/>
+              <a:t>take</a:t>
+            </a:r>
+            <a:r>
+              <a:rPr lang="fr-FR" dirty="0"/>
+              <a:t> actions </a:t>
+            </a:r>
+            <a:r>
+              <a:rPr lang="fr-FR" dirty="0" err="1"/>
+              <a:t>every</a:t>
+            </a:r>
+            <a:r>
+              <a:rPr lang="fr-FR" dirty="0"/>
+              <a:t> </a:t>
+            </a:r>
+            <a:r>
+              <a:rPr lang="fr-FR" dirty="0" err="1"/>
+              <a:t>turn</a:t>
+            </a:r>
+            <a:r>
+              <a:rPr lang="fr-FR" dirty="0"/>
+              <a:t> to </a:t>
+            </a:r>
+            <a:r>
+              <a:rPr lang="fr-FR" dirty="0" err="1"/>
+              <a:t>meet</a:t>
+            </a:r>
+            <a:r>
+              <a:rPr lang="fr-FR" dirty="0"/>
+              <a:t> the </a:t>
+            </a:r>
+            <a:r>
+              <a:rPr lang="fr-FR" dirty="0" err="1"/>
+              <a:t>EcoLabel</a:t>
+            </a:r>
+            <a:r>
+              <a:rPr lang="fr-FR" dirty="0"/>
+              <a:t> </a:t>
+            </a:r>
+            <a:r>
+              <a:rPr lang="fr-FR" dirty="0" err="1"/>
+              <a:t>criteria</a:t>
+            </a:r>
+            <a:r>
+              <a:rPr lang="fr-FR" dirty="0"/>
+              <a:t> </a:t>
+            </a:r>
+            <a:r>
+              <a:rPr lang="fr-FR" dirty="0" err="1"/>
+              <a:t>linked</a:t>
+            </a:r>
+            <a:r>
+              <a:rPr lang="fr-FR" dirty="0"/>
+              <a:t> to pollution and production</a:t>
+            </a:r>
+          </a:p>
+          <a:p>
+            <a:endParaRPr lang="fr-FR" dirty="0"/>
+          </a:p>
+          <a:p>
+            <a:r>
+              <a:rPr lang="fr-FR" dirty="0" err="1"/>
               <a:t>Each</a:t>
             </a:r>
             <a:r>
               <a:rPr lang="fr-FR" dirty="0"/>
-              <a:t> action have a </a:t>
+              <a:t> </a:t>
+            </a:r>
+            <a:r>
+              <a:rPr lang="fr-FR" dirty="0" err="1"/>
+              <a:t>player</a:t>
+            </a:r>
+            <a:r>
+              <a:rPr lang="fr-FR" dirty="0"/>
+              <a:t> has in </a:t>
+            </a:r>
+            <a:r>
+              <a:rPr lang="fr-FR" dirty="0" err="1"/>
+              <a:t>their</a:t>
+            </a:r>
+            <a:r>
+              <a:rPr lang="fr-FR" dirty="0"/>
+              <a:t> </a:t>
+            </a:r>
+            <a:r>
+              <a:rPr lang="fr-FR" dirty="0" err="1"/>
+              <a:t>posession</a:t>
+            </a:r>
+            <a:r>
+              <a:rPr lang="fr-FR" dirty="0"/>
+              <a:t> a deck of 9 actions </a:t>
+            </a:r>
+            <a:r>
+              <a:rPr lang="fr-FR" dirty="0" err="1"/>
+              <a:t>that</a:t>
+            </a:r>
+            <a:r>
+              <a:rPr lang="fr-FR" dirty="0"/>
+              <a:t> have </a:t>
             </a:r>
             <a:r>
               <a:rPr lang="fr-FR" dirty="0" err="1"/>
@@ -5939,506 +7447,81 @@
             </a:r>
             <a:r>
               <a:rPr lang="fr-FR" dirty="0"/>
-              <a:t> impact on pollution or production, </a:t>
-            </a:r>
-            <a:r>
-              <a:rPr lang="fr-FR" dirty="0" err="1"/>
-              <a:t>sometimes</a:t>
-            </a:r>
-            <a:r>
-              <a:rPr lang="fr-FR" dirty="0"/>
-              <a:t> </a:t>
-            </a:r>
-            <a:r>
-              <a:rPr lang="fr-FR" dirty="0" err="1"/>
-              <a:t>both</a:t>
-            </a:r>
+              <a:t> impacts on pollution and production </a:t>
+            </a:r>
+          </a:p>
+          <a:p>
+            <a:pPr marL="0" indent="0">
+              <a:buNone/>
+            </a:pPr>
             <a:endParaRPr lang="fr-FR" dirty="0"/>
           </a:p>
-          <a:p>
-            <a:r>
-              <a:rPr lang="fr-FR" dirty="0" err="1"/>
-              <a:t>Some</a:t>
-            </a:r>
-            <a:r>
-              <a:rPr lang="fr-FR" dirty="0"/>
-              <a:t> actions can have </a:t>
-            </a:r>
-            <a:r>
-              <a:rPr lang="fr-FR" dirty="0" err="1"/>
-              <a:t>different</a:t>
-            </a:r>
-            <a:r>
-              <a:rPr lang="fr-FR" dirty="0"/>
-              <a:t> </a:t>
-            </a:r>
-            <a:r>
-              <a:rPr lang="fr-FR" dirty="0" err="1"/>
-              <a:t>levels</a:t>
-            </a:r>
-            <a:r>
-              <a:rPr lang="fr-FR" dirty="0"/>
-              <a:t> of impact. A </a:t>
-            </a:r>
-            <a:r>
-              <a:rPr lang="fr-FR" dirty="0" err="1"/>
-              <a:t>lower</a:t>
-            </a:r>
-            <a:r>
-              <a:rPr lang="fr-FR" dirty="0"/>
-              <a:t> impact </a:t>
-            </a:r>
-            <a:r>
-              <a:rPr lang="fr-FR" dirty="0" err="1"/>
-              <a:t>also</a:t>
-            </a:r>
-            <a:r>
-              <a:rPr lang="fr-FR" dirty="0"/>
-              <a:t> </a:t>
-            </a:r>
-            <a:r>
-              <a:rPr lang="fr-FR" dirty="0" err="1"/>
-              <a:t>means</a:t>
-            </a:r>
-            <a:r>
-              <a:rPr lang="fr-FR" dirty="0"/>
-              <a:t> the action </a:t>
-            </a:r>
-            <a:r>
-              <a:rPr lang="fr-FR" dirty="0" err="1"/>
-              <a:t>is</a:t>
-            </a:r>
-            <a:r>
-              <a:rPr lang="fr-FR" dirty="0"/>
-              <a:t> </a:t>
-            </a:r>
-            <a:r>
-              <a:rPr lang="fr-FR" dirty="0" err="1"/>
-              <a:t>less</a:t>
-            </a:r>
-            <a:r>
-              <a:rPr lang="fr-FR" dirty="0"/>
-              <a:t> </a:t>
-            </a:r>
-            <a:r>
-              <a:rPr lang="fr-FR" dirty="0" err="1"/>
-              <a:t>expensive</a:t>
-            </a:r>
-            <a:r>
-              <a:rPr lang="fr-FR" dirty="0"/>
-              <a:t> to </a:t>
-            </a:r>
-            <a:r>
-              <a:rPr lang="fr-FR" dirty="0" err="1"/>
-              <a:t>take</a:t>
-            </a:r>
-            <a:endParaRPr lang="fr-FR" dirty="0"/>
-          </a:p>
-          <a:p>
-            <a:r>
-              <a:rPr lang="fr-FR" dirty="0"/>
-              <a:t>The actions </a:t>
-            </a:r>
-            <a:r>
-              <a:rPr lang="fr-FR" dirty="0" err="1"/>
-              <a:t>taken</a:t>
-            </a:r>
-            <a:r>
-              <a:rPr lang="fr-FR" dirty="0"/>
-              <a:t> by </a:t>
-            </a:r>
-            <a:r>
-              <a:rPr lang="fr-FR" dirty="0" err="1"/>
-              <a:t>each</a:t>
-            </a:r>
-            <a:r>
-              <a:rPr lang="fr-FR" dirty="0"/>
-              <a:t> group have an </a:t>
-            </a:r>
-            <a:r>
-              <a:rPr lang="fr-FR" dirty="0" err="1"/>
-              <a:t>effect</a:t>
-            </a:r>
-            <a:r>
-              <a:rPr lang="fr-FR" dirty="0"/>
-              <a:t> on the </a:t>
-            </a:r>
-            <a:r>
-              <a:rPr lang="fr-FR" dirty="0" err="1"/>
-              <a:t>following</a:t>
-            </a:r>
-            <a:r>
-              <a:rPr lang="fr-FR" dirty="0"/>
-              <a:t> </a:t>
-            </a:r>
-            <a:r>
-              <a:rPr lang="fr-FR" dirty="0" err="1"/>
-              <a:t>year</a:t>
-            </a:r>
-            <a:r>
-              <a:rPr lang="fr-FR" dirty="0"/>
-              <a:t>, or on the long </a:t>
-            </a:r>
-            <a:r>
-              <a:rPr lang="fr-FR" dirty="0" err="1"/>
-              <a:t>term</a:t>
-            </a:r>
-            <a:r>
-              <a:rPr lang="fr-FR" dirty="0"/>
-              <a:t> in the </a:t>
-            </a:r>
-            <a:r>
-              <a:rPr lang="fr-FR" dirty="0" err="1"/>
-              <a:t>game</a:t>
-            </a:r>
-            <a:r>
-              <a:rPr lang="fr-FR" dirty="0"/>
-              <a:t>. The long </a:t>
-            </a:r>
-            <a:r>
-              <a:rPr lang="fr-FR" dirty="0" err="1"/>
-              <a:t>terms</a:t>
-            </a:r>
-            <a:r>
-              <a:rPr lang="fr-FR" dirty="0"/>
-              <a:t> actions are </a:t>
-            </a:r>
-            <a:r>
-              <a:rPr lang="fr-FR" dirty="0" err="1"/>
-              <a:t>marked</a:t>
-            </a:r>
-            <a:r>
-              <a:rPr lang="fr-FR" dirty="0"/>
-              <a:t> </a:t>
-            </a:r>
-            <a:r>
-              <a:rPr lang="fr-FR" dirty="0" err="1"/>
-              <a:t>with</a:t>
-            </a:r>
-            <a:r>
-              <a:rPr lang="fr-FR" dirty="0"/>
-              <a:t> a star </a:t>
-            </a:r>
-            <a:r>
-              <a:rPr lang="fr-FR" dirty="0" err="1"/>
-              <a:t>next</a:t>
-            </a:r>
-            <a:r>
-              <a:rPr lang="fr-FR" dirty="0"/>
-              <a:t> to the </a:t>
-            </a:r>
-            <a:r>
-              <a:rPr lang="fr-FR" dirty="0" err="1"/>
-              <a:t>card’s</a:t>
-            </a:r>
-            <a:r>
-              <a:rPr lang="fr-FR" dirty="0"/>
-              <a:t> </a:t>
-            </a:r>
-            <a:r>
-              <a:rPr lang="fr-FR" dirty="0" err="1"/>
-              <a:t>title</a:t>
-            </a:r>
-            <a:endParaRPr lang="fr-FR" dirty="0"/>
-          </a:p>
-          <a:p>
-            <a:r>
-              <a:rPr lang="fr-FR" dirty="0"/>
-              <a:t>To </a:t>
-            </a:r>
-            <a:r>
-              <a:rPr lang="fr-FR" dirty="0" err="1"/>
-              <a:t>understand</a:t>
-            </a:r>
-            <a:r>
-              <a:rPr lang="fr-FR" dirty="0"/>
-              <a:t> </a:t>
-            </a:r>
-            <a:r>
-              <a:rPr lang="fr-FR" dirty="0" err="1"/>
-              <a:t>better</a:t>
-            </a:r>
-            <a:r>
-              <a:rPr lang="fr-FR" dirty="0"/>
-              <a:t> the </a:t>
-            </a:r>
-            <a:r>
-              <a:rPr lang="fr-FR" dirty="0" err="1"/>
-              <a:t>functionning</a:t>
-            </a:r>
-            <a:r>
-              <a:rPr lang="fr-FR" dirty="0"/>
-              <a:t> of </a:t>
-            </a:r>
-            <a:r>
-              <a:rPr lang="fr-FR" dirty="0" err="1"/>
-              <a:t>each</a:t>
-            </a:r>
-            <a:r>
-              <a:rPr lang="fr-FR" dirty="0"/>
-              <a:t> action, </a:t>
-            </a:r>
-            <a:r>
-              <a:rPr lang="fr-FR" dirty="0" err="1"/>
-              <a:t>we</a:t>
-            </a:r>
-            <a:r>
-              <a:rPr lang="fr-FR" dirty="0"/>
-              <a:t> </a:t>
-            </a:r>
-            <a:r>
-              <a:rPr lang="fr-FR" dirty="0" err="1"/>
-              <a:t>divided</a:t>
-            </a:r>
-            <a:r>
-              <a:rPr lang="fr-FR" dirty="0"/>
-              <a:t> in </a:t>
-            </a:r>
-            <a:r>
-              <a:rPr lang="fr-FR" dirty="0" err="1"/>
-              <a:t>three</a:t>
-            </a:r>
-            <a:r>
-              <a:rPr lang="fr-FR" dirty="0"/>
-              <a:t> parts :</a:t>
-            </a:r>
-          </a:p>
-          <a:p>
-            <a:pPr lvl="1"/>
-            <a:r>
-              <a:rPr lang="fr-FR" dirty="0" err="1"/>
-              <a:t>Mandatory</a:t>
-            </a:r>
-            <a:r>
-              <a:rPr lang="fr-FR" dirty="0"/>
-              <a:t> actions : actions 1, 3 (</a:t>
-            </a:r>
-            <a:r>
-              <a:rPr lang="fr-FR" dirty="0" err="1"/>
-              <a:t>when</a:t>
-            </a:r>
-            <a:r>
-              <a:rPr lang="fr-FR" dirty="0"/>
-              <a:t> the </a:t>
-            </a:r>
-            <a:r>
-              <a:rPr lang="fr-FR" dirty="0" err="1"/>
-              <a:t>players</a:t>
-            </a:r>
-            <a:r>
-              <a:rPr lang="fr-FR" dirty="0"/>
-              <a:t> </a:t>
-            </a:r>
-            <a:r>
-              <a:rPr lang="fr-FR" dirty="0" err="1"/>
-              <a:t>negociated</a:t>
-            </a:r>
-            <a:r>
-              <a:rPr lang="fr-FR" dirty="0"/>
-              <a:t> to </a:t>
-            </a:r>
-            <a:r>
-              <a:rPr lang="fr-FR" dirty="0" err="1"/>
-              <a:t>take</a:t>
-            </a:r>
-            <a:r>
-              <a:rPr lang="fr-FR" dirty="0"/>
-              <a:t> </a:t>
-            </a:r>
-            <a:r>
-              <a:rPr lang="fr-FR" dirty="0" err="1"/>
-              <a:t>it</a:t>
-            </a:r>
-            <a:r>
-              <a:rPr lang="fr-FR" dirty="0"/>
-              <a:t>). </a:t>
-            </a:r>
-            <a:r>
-              <a:rPr lang="fr-FR" dirty="0" err="1"/>
-              <a:t>They</a:t>
-            </a:r>
-            <a:r>
-              <a:rPr lang="fr-FR" dirty="0"/>
-              <a:t> are </a:t>
-            </a:r>
-            <a:r>
-              <a:rPr lang="fr-FR" dirty="0" err="1"/>
-              <a:t>taken</a:t>
-            </a:r>
-            <a:r>
-              <a:rPr lang="fr-FR" dirty="0"/>
-              <a:t> at the </a:t>
-            </a:r>
-            <a:r>
-              <a:rPr lang="fr-FR" dirty="0" err="1"/>
-              <a:t>begining</a:t>
-            </a:r>
-            <a:r>
-              <a:rPr lang="fr-FR" dirty="0"/>
-              <a:t> of </a:t>
-            </a:r>
-            <a:r>
-              <a:rPr lang="fr-FR" dirty="0" err="1"/>
-              <a:t>every</a:t>
-            </a:r>
-            <a:r>
-              <a:rPr lang="fr-FR" dirty="0"/>
-              <a:t> </a:t>
-            </a:r>
-            <a:r>
-              <a:rPr lang="fr-FR" dirty="0" err="1"/>
-              <a:t>turn</a:t>
-            </a:r>
-            <a:r>
-              <a:rPr lang="fr-FR" dirty="0"/>
-              <a:t>, </a:t>
-            </a:r>
-            <a:r>
-              <a:rPr lang="fr-FR" dirty="0" err="1"/>
-              <a:t>before</a:t>
-            </a:r>
-            <a:r>
-              <a:rPr lang="fr-FR" dirty="0"/>
-              <a:t> </a:t>
-            </a:r>
-            <a:r>
-              <a:rPr lang="fr-FR" dirty="0" err="1"/>
-              <a:t>any</a:t>
-            </a:r>
-            <a:r>
-              <a:rPr lang="fr-FR" dirty="0"/>
-              <a:t> </a:t>
-            </a:r>
-            <a:r>
-              <a:rPr lang="fr-FR" dirty="0" err="1"/>
-              <a:t>other</a:t>
-            </a:r>
-            <a:r>
-              <a:rPr lang="fr-FR" dirty="0"/>
-              <a:t> action</a:t>
-            </a:r>
-          </a:p>
-          <a:p>
-            <a:pPr lvl="1"/>
-            <a:r>
-              <a:rPr lang="fr-FR" dirty="0" err="1"/>
-              <a:t>Punctual</a:t>
-            </a:r>
-            <a:r>
-              <a:rPr lang="fr-FR" dirty="0"/>
-              <a:t> actions for the </a:t>
-            </a:r>
-            <a:r>
-              <a:rPr lang="fr-FR" dirty="0" err="1"/>
-              <a:t>next</a:t>
-            </a:r>
-            <a:r>
-              <a:rPr lang="fr-FR" dirty="0"/>
-              <a:t> </a:t>
-            </a:r>
-            <a:r>
-              <a:rPr lang="fr-FR" dirty="0" err="1"/>
-              <a:t>year</a:t>
-            </a:r>
-            <a:r>
-              <a:rPr lang="fr-FR" dirty="0"/>
-              <a:t> : action 2, 4, 5, 7, 8. If </a:t>
-            </a:r>
-            <a:r>
-              <a:rPr lang="fr-FR" dirty="0" err="1"/>
-              <a:t>taken</a:t>
-            </a:r>
-            <a:r>
-              <a:rPr lang="fr-FR" dirty="0"/>
-              <a:t>, </a:t>
-            </a:r>
-            <a:r>
-              <a:rPr lang="fr-FR" dirty="0" err="1"/>
-              <a:t>these</a:t>
-            </a:r>
-            <a:r>
-              <a:rPr lang="fr-FR" dirty="0"/>
-              <a:t> actions </a:t>
-            </a:r>
-            <a:r>
-              <a:rPr lang="fr-FR" dirty="0" err="1"/>
-              <a:t>will</a:t>
-            </a:r>
-            <a:r>
-              <a:rPr lang="fr-FR" dirty="0"/>
-              <a:t> have an impact </a:t>
-            </a:r>
-            <a:r>
-              <a:rPr lang="fr-FR" dirty="0" err="1"/>
-              <a:t>only</a:t>
-            </a:r>
-            <a:r>
-              <a:rPr lang="fr-FR" dirty="0"/>
-              <a:t> for the </a:t>
-            </a:r>
-            <a:r>
-              <a:rPr lang="fr-FR" dirty="0" err="1"/>
-              <a:t>next</a:t>
-            </a:r>
-            <a:r>
-              <a:rPr lang="fr-FR" dirty="0"/>
-              <a:t> </a:t>
-            </a:r>
-            <a:r>
-              <a:rPr lang="fr-FR" dirty="0" err="1"/>
-              <a:t>year</a:t>
-            </a:r>
-            <a:endParaRPr lang="fr-FR" dirty="0"/>
-          </a:p>
-          <a:p>
-            <a:pPr lvl="1"/>
-            <a:r>
-              <a:rPr lang="fr-FR" dirty="0"/>
-              <a:t>Long </a:t>
-            </a:r>
-            <a:r>
-              <a:rPr lang="fr-FR" dirty="0" err="1"/>
-              <a:t>term</a:t>
-            </a:r>
-            <a:r>
-              <a:rPr lang="fr-FR" dirty="0"/>
-              <a:t> actions : actions 6, 9. If </a:t>
-            </a:r>
-            <a:r>
-              <a:rPr lang="fr-FR" dirty="0" err="1"/>
-              <a:t>taken</a:t>
-            </a:r>
-            <a:r>
-              <a:rPr lang="fr-FR" dirty="0"/>
-              <a:t>, </a:t>
-            </a:r>
-            <a:r>
-              <a:rPr lang="fr-FR" dirty="0" err="1"/>
-              <a:t>these</a:t>
-            </a:r>
-            <a:r>
-              <a:rPr lang="fr-FR" dirty="0"/>
-              <a:t> actions have an impact </a:t>
-            </a:r>
-            <a:r>
-              <a:rPr lang="fr-FR" dirty="0" err="1"/>
-              <a:t>until</a:t>
-            </a:r>
-            <a:r>
-              <a:rPr lang="fr-FR" dirty="0"/>
-              <a:t> the end of the 8 rounds</a:t>
-            </a:r>
-          </a:p>
-          <a:p>
-            <a:pPr lvl="1"/>
-            <a:endParaRPr lang="fr-FR" dirty="0"/>
-          </a:p>
-        </p:txBody>
-      </p:sp>
+        </p:txBody>
+      </p:sp>
+      <p:pic>
+        <p:nvPicPr>
+          <p:cNvPr id="6" name="Image 5">
+            <a:extLst>
+              <a:ext uri="{FF2B5EF4-FFF2-40B4-BE49-F238E27FC236}">
+                <a16:creationId xmlns:a16="http://schemas.microsoft.com/office/drawing/2014/main" id="{9B5780CB-0F9F-3B42-5B26-1B9B574B5F25}"/>
+              </a:ext>
+            </a:extLst>
+          </p:cNvPr>
+          <p:cNvPicPr>
+            <a:picLocks noChangeAspect="1"/>
+          </p:cNvPicPr>
+          <p:nvPr/>
+        </p:nvPicPr>
+        <p:blipFill>
+          <a:blip r:embed="rId2"/>
+          <a:stretch>
+            <a:fillRect/>
+          </a:stretch>
+        </p:blipFill>
+        <p:spPr>
+          <a:xfrm>
+            <a:off x="1894444" y="3429000"/>
+            <a:ext cx="4422466" cy="2910990"/>
+          </a:xfrm>
+          <a:prstGeom prst="rect">
+            <a:avLst/>
+          </a:prstGeom>
+        </p:spPr>
+      </p:pic>
+      <p:pic>
+        <p:nvPicPr>
+          <p:cNvPr id="8" name="Image 7">
+            <a:extLst>
+              <a:ext uri="{FF2B5EF4-FFF2-40B4-BE49-F238E27FC236}">
+                <a16:creationId xmlns:a16="http://schemas.microsoft.com/office/drawing/2014/main" id="{3B8528AB-316C-221A-C829-7D9FE109F8E4}"/>
+              </a:ext>
+            </a:extLst>
+          </p:cNvPr>
+          <p:cNvPicPr>
+            <a:picLocks noChangeAspect="1"/>
+          </p:cNvPicPr>
+          <p:nvPr/>
+        </p:nvPicPr>
+        <p:blipFill>
+          <a:blip r:embed="rId3"/>
+          <a:stretch>
+            <a:fillRect/>
+          </a:stretch>
+        </p:blipFill>
+        <p:spPr>
+          <a:xfrm>
+            <a:off x="7826716" y="3087149"/>
+            <a:ext cx="2553579" cy="3327633"/>
+          </a:xfrm>
+          <a:prstGeom prst="rect">
+            <a:avLst/>
+          </a:prstGeom>
+        </p:spPr>
+      </p:pic>
     </p:spTree>
     <p:extLst>
       <p:ext uri="{BB962C8B-B14F-4D97-AF65-F5344CB8AC3E}">
-        <p14:creationId xmlns:p14="http://schemas.microsoft.com/office/powerpoint/2010/main" val="3297954558"/>
+        <p14:creationId xmlns:p14="http://schemas.microsoft.com/office/powerpoint/2010/main" val="1465292039"/>
       </p:ext>
     </p:extLst>
   </p:cSld>
@@ -6470,7 +7553,7 @@
           <p:cNvPr id="2" name="Titre 1">
             <a:extLst>
               <a:ext uri="{FF2B5EF4-FFF2-40B4-BE49-F238E27FC236}">
-                <a16:creationId xmlns:a16="http://schemas.microsoft.com/office/drawing/2014/main" id="{23365CCF-1CC7-0D33-2234-DE43225D805E}"/>
+                <a16:creationId xmlns:a16="http://schemas.microsoft.com/office/drawing/2014/main" id="{97D5DA5B-9928-F364-85EE-BD6F1D4E5A06}"/>
               </a:ext>
             </a:extLst>
           </p:cNvPr>
@@ -6483,7 +7566,7 @@
         </p:nvSpPr>
         <p:spPr>
           <a:xfrm>
-            <a:off x="1371600" y="283129"/>
+            <a:off x="1371600" y="685800"/>
             <a:ext cx="9601200" cy="773884"/>
           </a:xfrm>
         </p:spPr>
@@ -6493,11 +7576,11 @@
           <a:p>
             <a:r>
               <a:rPr lang="fr-FR" dirty="0" err="1"/>
-              <a:t>Maps</a:t>
-            </a:r>
-            <a:r>
-              <a:rPr lang="fr-FR" dirty="0"/>
-              <a:t> and displays</a:t>
+              <a:t>Players</a:t>
+            </a:r>
+            <a:r>
+              <a:rPr lang="fr-FR" dirty="0"/>
+              <a:t>’ objective and actions </a:t>
             </a:r>
           </a:p>
         </p:txBody>
@@ -6507,7 +7590,7 @@
           <p:cNvPr id="3" name="Espace réservé du contenu 2">
             <a:extLst>
               <a:ext uri="{FF2B5EF4-FFF2-40B4-BE49-F238E27FC236}">
-                <a16:creationId xmlns:a16="http://schemas.microsoft.com/office/drawing/2014/main" id="{2419810E-CF30-D3BC-9C75-12F3951E0880}"/>
+                <a16:creationId xmlns:a16="http://schemas.microsoft.com/office/drawing/2014/main" id="{946AD871-712A-436F-8E05-322B5E2A77D6}"/>
               </a:ext>
             </a:extLst>
           </p:cNvPr>
@@ -6520,19 +7603,311 @@
         </p:nvSpPr>
         <p:spPr>
           <a:xfrm>
-            <a:off x="1371600" y="1057013"/>
-            <a:ext cx="9601200" cy="847287"/>
+            <a:off x="1371600" y="1644241"/>
+            <a:ext cx="9601200" cy="4681057"/>
           </a:xfrm>
         </p:spPr>
         <p:txBody>
           <a:bodyPr>
-            <a:normAutofit fontScale="85000" lnSpcReduction="20000"/>
+            <a:normAutofit/>
           </a:bodyPr>
           <a:lstStyle/>
           <a:p>
             <a:r>
-              <a:rPr lang="fr-FR" dirty="0"/>
-              <a:t>The </a:t>
+              <a:rPr lang="fr-FR" dirty="0" err="1"/>
+              <a:t>Each</a:t>
+            </a:r>
+            <a:r>
+              <a:rPr lang="fr-FR" dirty="0"/>
+              <a:t> action have a </a:t>
+            </a:r>
+            <a:r>
+              <a:rPr lang="fr-FR" dirty="0" err="1"/>
+              <a:t>different</a:t>
+            </a:r>
+            <a:r>
+              <a:rPr lang="fr-FR" dirty="0"/>
+              <a:t> impact on pollution or production, </a:t>
+            </a:r>
+            <a:r>
+              <a:rPr lang="fr-FR" dirty="0" err="1"/>
+              <a:t>sometimes</a:t>
+            </a:r>
+            <a:r>
+              <a:rPr lang="fr-FR" dirty="0"/>
+              <a:t> </a:t>
+            </a:r>
+            <a:r>
+              <a:rPr lang="fr-FR" dirty="0" err="1"/>
+              <a:t>both</a:t>
+            </a:r>
+            <a:endParaRPr lang="fr-FR" dirty="0"/>
+          </a:p>
+          <a:p>
+            <a:r>
+              <a:rPr lang="fr-FR" dirty="0" err="1"/>
+              <a:t>Some</a:t>
+            </a:r>
+            <a:r>
+              <a:rPr lang="fr-FR" dirty="0"/>
+              <a:t> actions can have </a:t>
+            </a:r>
+            <a:r>
+              <a:rPr lang="fr-FR" dirty="0" err="1"/>
+              <a:t>different</a:t>
+            </a:r>
+            <a:r>
+              <a:rPr lang="fr-FR" dirty="0"/>
+              <a:t> </a:t>
+            </a:r>
+            <a:r>
+              <a:rPr lang="fr-FR" dirty="0" err="1"/>
+              <a:t>levels</a:t>
+            </a:r>
+            <a:r>
+              <a:rPr lang="fr-FR" dirty="0"/>
+              <a:t> of impact. A </a:t>
+            </a:r>
+            <a:r>
+              <a:rPr lang="fr-FR" dirty="0" err="1"/>
+              <a:t>lower</a:t>
+            </a:r>
+            <a:r>
+              <a:rPr lang="fr-FR" dirty="0"/>
+              <a:t> impact </a:t>
+            </a:r>
+            <a:r>
+              <a:rPr lang="fr-FR" dirty="0" err="1"/>
+              <a:t>also</a:t>
+            </a:r>
+            <a:r>
+              <a:rPr lang="fr-FR" dirty="0"/>
+              <a:t> </a:t>
+            </a:r>
+            <a:r>
+              <a:rPr lang="fr-FR" dirty="0" err="1"/>
+              <a:t>means</a:t>
+            </a:r>
+            <a:r>
+              <a:rPr lang="fr-FR" dirty="0"/>
+              <a:t> the action </a:t>
+            </a:r>
+            <a:r>
+              <a:rPr lang="fr-FR" dirty="0" err="1"/>
+              <a:t>is</a:t>
+            </a:r>
+            <a:r>
+              <a:rPr lang="fr-FR" dirty="0"/>
+              <a:t> </a:t>
+            </a:r>
+            <a:r>
+              <a:rPr lang="fr-FR" dirty="0" err="1"/>
+              <a:t>less</a:t>
+            </a:r>
+            <a:r>
+              <a:rPr lang="fr-FR" dirty="0"/>
+              <a:t> </a:t>
+            </a:r>
+            <a:r>
+              <a:rPr lang="fr-FR" dirty="0" err="1"/>
+              <a:t>expensive</a:t>
+            </a:r>
+            <a:r>
+              <a:rPr lang="fr-FR" dirty="0"/>
+              <a:t> to </a:t>
+            </a:r>
+            <a:r>
+              <a:rPr lang="fr-FR" dirty="0" err="1"/>
+              <a:t>take</a:t>
+            </a:r>
+            <a:endParaRPr lang="fr-FR" dirty="0"/>
+          </a:p>
+          <a:p>
+            <a:r>
+              <a:rPr lang="fr-FR" dirty="0"/>
+              <a:t>The actions </a:t>
+            </a:r>
+            <a:r>
+              <a:rPr lang="fr-FR" dirty="0" err="1"/>
+              <a:t>taken</a:t>
+            </a:r>
+            <a:r>
+              <a:rPr lang="fr-FR" dirty="0"/>
+              <a:t> by </a:t>
+            </a:r>
+            <a:r>
+              <a:rPr lang="fr-FR" dirty="0" err="1"/>
+              <a:t>each</a:t>
+            </a:r>
+            <a:r>
+              <a:rPr lang="fr-FR" dirty="0"/>
+              <a:t> group have an </a:t>
+            </a:r>
+            <a:r>
+              <a:rPr lang="fr-FR" dirty="0" err="1"/>
+              <a:t>effect</a:t>
+            </a:r>
+            <a:r>
+              <a:rPr lang="fr-FR" dirty="0"/>
+              <a:t> on the </a:t>
+            </a:r>
+            <a:r>
+              <a:rPr lang="fr-FR" dirty="0" err="1"/>
+              <a:t>following</a:t>
+            </a:r>
+            <a:r>
+              <a:rPr lang="fr-FR" dirty="0"/>
+              <a:t> </a:t>
+            </a:r>
+            <a:r>
+              <a:rPr lang="fr-FR" dirty="0" err="1"/>
+              <a:t>year</a:t>
+            </a:r>
+            <a:r>
+              <a:rPr lang="fr-FR" dirty="0"/>
+              <a:t>, or on the long </a:t>
+            </a:r>
+            <a:r>
+              <a:rPr lang="fr-FR" dirty="0" err="1"/>
+              <a:t>term</a:t>
+            </a:r>
+            <a:r>
+              <a:rPr lang="fr-FR" dirty="0"/>
+              <a:t> in the </a:t>
+            </a:r>
+            <a:r>
+              <a:rPr lang="fr-FR" dirty="0" err="1"/>
+              <a:t>game</a:t>
+            </a:r>
+            <a:r>
+              <a:rPr lang="fr-FR" dirty="0"/>
+              <a:t>. The long </a:t>
+            </a:r>
+            <a:r>
+              <a:rPr lang="fr-FR" dirty="0" err="1"/>
+              <a:t>terms</a:t>
+            </a:r>
+            <a:r>
+              <a:rPr lang="fr-FR" dirty="0"/>
+              <a:t> actions are </a:t>
+            </a:r>
+            <a:r>
+              <a:rPr lang="fr-FR" dirty="0" err="1"/>
+              <a:t>marked</a:t>
+            </a:r>
+            <a:r>
+              <a:rPr lang="fr-FR" dirty="0"/>
+              <a:t> </a:t>
+            </a:r>
+            <a:r>
+              <a:rPr lang="fr-FR" dirty="0" err="1"/>
+              <a:t>with</a:t>
+            </a:r>
+            <a:r>
+              <a:rPr lang="fr-FR" dirty="0"/>
+              <a:t> a star </a:t>
+            </a:r>
+            <a:r>
+              <a:rPr lang="fr-FR" dirty="0" err="1"/>
+              <a:t>next</a:t>
+            </a:r>
+            <a:r>
+              <a:rPr lang="fr-FR" dirty="0"/>
+              <a:t> to the </a:t>
+            </a:r>
+            <a:r>
+              <a:rPr lang="fr-FR" dirty="0" err="1"/>
+              <a:t>card’s</a:t>
+            </a:r>
+            <a:r>
+              <a:rPr lang="fr-FR" dirty="0"/>
+              <a:t> </a:t>
+            </a:r>
+            <a:r>
+              <a:rPr lang="fr-FR" dirty="0" err="1"/>
+              <a:t>title</a:t>
+            </a:r>
+            <a:endParaRPr lang="fr-FR" dirty="0"/>
+          </a:p>
+          <a:p>
+            <a:r>
+              <a:rPr lang="fr-FR" dirty="0"/>
+              <a:t>To </a:t>
+            </a:r>
+            <a:r>
+              <a:rPr lang="fr-FR" dirty="0" err="1"/>
+              <a:t>understand</a:t>
+            </a:r>
+            <a:r>
+              <a:rPr lang="fr-FR" dirty="0"/>
+              <a:t> </a:t>
+            </a:r>
+            <a:r>
+              <a:rPr lang="fr-FR" dirty="0" err="1"/>
+              <a:t>better</a:t>
+            </a:r>
+            <a:r>
+              <a:rPr lang="fr-FR" dirty="0"/>
+              <a:t> the </a:t>
+            </a:r>
+            <a:r>
+              <a:rPr lang="fr-FR" dirty="0" err="1"/>
+              <a:t>functionning</a:t>
+            </a:r>
+            <a:r>
+              <a:rPr lang="fr-FR" dirty="0"/>
+              <a:t> of </a:t>
+            </a:r>
+            <a:r>
+              <a:rPr lang="fr-FR" dirty="0" err="1"/>
+              <a:t>each</a:t>
+            </a:r>
+            <a:r>
+              <a:rPr lang="fr-FR" dirty="0"/>
+              <a:t> action, </a:t>
+            </a:r>
+            <a:r>
+              <a:rPr lang="fr-FR" dirty="0" err="1"/>
+              <a:t>we</a:t>
+            </a:r>
+            <a:r>
+              <a:rPr lang="fr-FR" dirty="0"/>
+              <a:t> </a:t>
+            </a:r>
+            <a:r>
+              <a:rPr lang="fr-FR" dirty="0" err="1"/>
+              <a:t>divided</a:t>
+            </a:r>
+            <a:r>
+              <a:rPr lang="fr-FR" dirty="0"/>
+              <a:t> in </a:t>
+            </a:r>
+            <a:r>
+              <a:rPr lang="fr-FR" dirty="0" err="1"/>
+              <a:t>three</a:t>
+            </a:r>
+            <a:r>
+              <a:rPr lang="fr-FR" dirty="0"/>
+              <a:t> parts :</a:t>
+            </a:r>
+          </a:p>
+          <a:p>
+            <a:pPr lvl="1"/>
+            <a:r>
+              <a:rPr lang="fr-FR" dirty="0" err="1"/>
+              <a:t>Mandatory</a:t>
+            </a:r>
+            <a:r>
+              <a:rPr lang="fr-FR" dirty="0"/>
+              <a:t> actions : actions 1, 2 (</a:t>
+            </a:r>
+            <a:r>
+              <a:rPr lang="fr-FR" dirty="0" err="1"/>
+              <a:t>when</a:t>
+            </a:r>
+            <a:r>
+              <a:rPr lang="fr-FR" dirty="0"/>
+              <a:t> the </a:t>
             </a:r>
             <a:r>
               <a:rPr lang="fr-FR" dirty="0" err="1"/>
@@ -6544,140 +7919,210 @@
             </a:r>
             <a:r>
               <a:rPr lang="fr-FR" dirty="0" err="1"/>
+              <a:t>negociated</a:t>
+            </a:r>
+            <a:r>
+              <a:rPr lang="fr-FR" dirty="0"/>
+              <a:t> to </a:t>
+            </a:r>
+            <a:r>
+              <a:rPr lang="fr-FR" dirty="0" err="1"/>
+              <a:t>take</a:t>
+            </a:r>
+            <a:r>
+              <a:rPr lang="fr-FR" dirty="0"/>
+              <a:t> </a:t>
+            </a:r>
+            <a:r>
+              <a:rPr lang="fr-FR" dirty="0" err="1"/>
+              <a:t>it</a:t>
+            </a:r>
+            <a:r>
+              <a:rPr lang="fr-FR" dirty="0"/>
+              <a:t>). </a:t>
+            </a:r>
+            <a:r>
+              <a:rPr lang="fr-FR" dirty="0" err="1"/>
+              <a:t>They</a:t>
+            </a:r>
+            <a:r>
+              <a:rPr lang="fr-FR" dirty="0"/>
+              <a:t> are </a:t>
+            </a:r>
+            <a:r>
+              <a:rPr lang="fr-FR" dirty="0" err="1"/>
+              <a:t>taken</a:t>
+            </a:r>
+            <a:r>
+              <a:rPr lang="fr-FR" dirty="0"/>
+              <a:t> at the </a:t>
+            </a:r>
+            <a:r>
+              <a:rPr lang="fr-FR" dirty="0" err="1"/>
+              <a:t>begining</a:t>
+            </a:r>
+            <a:r>
+              <a:rPr lang="fr-FR" dirty="0"/>
+              <a:t> of </a:t>
+            </a:r>
+            <a:r>
+              <a:rPr lang="fr-FR" dirty="0" err="1"/>
+              <a:t>every</a:t>
+            </a:r>
+            <a:r>
+              <a:rPr lang="fr-FR" dirty="0"/>
+              <a:t> </a:t>
+            </a:r>
+            <a:r>
+              <a:rPr lang="fr-FR" dirty="0" err="1"/>
+              <a:t>turn</a:t>
+            </a:r>
+            <a:r>
+              <a:rPr lang="fr-FR" dirty="0"/>
+              <a:t>, </a:t>
+            </a:r>
+            <a:r>
+              <a:rPr lang="fr-FR" dirty="0" err="1"/>
+              <a:t>before</a:t>
+            </a:r>
+            <a:r>
+              <a:rPr lang="fr-FR" dirty="0"/>
+              <a:t> </a:t>
+            </a:r>
+            <a:r>
+              <a:rPr lang="fr-FR" dirty="0" err="1"/>
+              <a:t>any</a:t>
+            </a:r>
+            <a:r>
+              <a:rPr lang="fr-FR" dirty="0"/>
+              <a:t> </a:t>
+            </a:r>
+            <a:r>
+              <a:rPr lang="fr-FR" dirty="0" err="1"/>
+              <a:t>other</a:t>
+            </a:r>
+            <a:r>
+              <a:rPr lang="fr-FR" dirty="0"/>
+              <a:t> action</a:t>
+            </a:r>
+          </a:p>
+          <a:p>
+            <a:pPr lvl="1"/>
+            <a:r>
+              <a:rPr lang="fr-FR" dirty="0"/>
+              <a:t>Long </a:t>
+            </a:r>
+            <a:r>
+              <a:rPr lang="fr-FR" dirty="0" err="1"/>
+              <a:t>term</a:t>
+            </a:r>
+            <a:r>
+              <a:rPr lang="fr-FR" dirty="0"/>
+              <a:t> actions : actions 3, 4. If </a:t>
+            </a:r>
+            <a:r>
+              <a:rPr lang="fr-FR" dirty="0" err="1"/>
+              <a:t>taken</a:t>
+            </a:r>
+            <a:r>
+              <a:rPr lang="fr-FR" dirty="0"/>
+              <a:t>, </a:t>
+            </a:r>
+            <a:r>
+              <a:rPr lang="fr-FR" dirty="0" err="1"/>
+              <a:t>these</a:t>
+            </a:r>
+            <a:r>
+              <a:rPr lang="fr-FR" dirty="0"/>
+              <a:t> actions have an impact </a:t>
+            </a:r>
+            <a:r>
+              <a:rPr lang="fr-FR" dirty="0" err="1"/>
+              <a:t>until</a:t>
+            </a:r>
+            <a:r>
+              <a:rPr lang="fr-FR" dirty="0"/>
+              <a:t> the end of the 8 rounds</a:t>
+            </a:r>
+          </a:p>
+          <a:p>
+            <a:pPr lvl="1"/>
+            <a:r>
+              <a:rPr lang="fr-FR" dirty="0" err="1"/>
+              <a:t>Punctual</a:t>
+            </a:r>
+            <a:r>
+              <a:rPr lang="fr-FR" dirty="0"/>
+              <a:t> actions for the </a:t>
+            </a:r>
+            <a:r>
+              <a:rPr lang="fr-FR" dirty="0" err="1"/>
+              <a:t>next</a:t>
+            </a:r>
+            <a:r>
+              <a:rPr lang="fr-FR" dirty="0"/>
+              <a:t> </a:t>
+            </a:r>
+            <a:r>
+              <a:rPr lang="fr-FR" dirty="0" err="1"/>
+              <a:t>year</a:t>
+            </a:r>
+            <a:r>
+              <a:rPr lang="fr-FR" dirty="0"/>
+              <a:t> : action 5, 6, 7, 8, 9. If </a:t>
+            </a:r>
+            <a:r>
+              <a:rPr lang="fr-FR" dirty="0" err="1"/>
+              <a:t>taken</a:t>
+            </a:r>
+            <a:r>
+              <a:rPr lang="fr-FR" dirty="0"/>
+              <a:t>, </a:t>
+            </a:r>
+            <a:r>
+              <a:rPr lang="fr-FR" dirty="0" err="1"/>
+              <a:t>these</a:t>
+            </a:r>
+            <a:r>
+              <a:rPr lang="fr-FR" dirty="0"/>
+              <a:t> actions </a:t>
+            </a:r>
+            <a:r>
+              <a:rPr lang="fr-FR" dirty="0" err="1"/>
               <a:t>will</a:t>
             </a:r>
             <a:r>
               <a:rPr lang="fr-FR" dirty="0"/>
-              <a:t> have </a:t>
-            </a:r>
-            <a:r>
-              <a:rPr lang="fr-FR" dirty="0" err="1"/>
-              <a:t>several</a:t>
-            </a:r>
-            <a:r>
-              <a:rPr lang="fr-FR" dirty="0"/>
-              <a:t> </a:t>
-            </a:r>
-            <a:r>
-              <a:rPr lang="fr-FR" dirty="0" err="1"/>
-              <a:t>pieces</a:t>
-            </a:r>
-            <a:r>
-              <a:rPr lang="fr-FR" dirty="0"/>
-              <a:t> of information to guide </a:t>
-            </a:r>
-            <a:r>
-              <a:rPr lang="fr-FR" dirty="0" err="1"/>
-              <a:t>their</a:t>
-            </a:r>
-            <a:r>
-              <a:rPr lang="fr-FR" dirty="0"/>
-              <a:t> </a:t>
-            </a:r>
-            <a:r>
-              <a:rPr lang="fr-FR" dirty="0" err="1"/>
-              <a:t>choice</a:t>
+              <a:t> have an impact </a:t>
+            </a:r>
+            <a:r>
+              <a:rPr lang="fr-FR" dirty="0" err="1"/>
+              <a:t>only</a:t>
+            </a:r>
+            <a:r>
+              <a:rPr lang="fr-FR" dirty="0"/>
+              <a:t> for the </a:t>
+            </a:r>
+            <a:r>
+              <a:rPr lang="fr-FR" dirty="0" err="1"/>
+              <a:t>next</a:t>
+            </a:r>
+            <a:r>
+              <a:rPr lang="fr-FR" dirty="0"/>
+              <a:t> </a:t>
+            </a:r>
+            <a:r>
+              <a:rPr lang="fr-FR" dirty="0" err="1"/>
+              <a:t>year</a:t>
             </a:r>
             <a:endParaRPr lang="fr-FR" dirty="0"/>
           </a:p>
-          <a:p>
-            <a:r>
-              <a:rPr lang="fr-FR" dirty="0"/>
-              <a:t>First, </a:t>
-            </a:r>
-            <a:r>
-              <a:rPr lang="fr-FR" dirty="0" err="1"/>
-              <a:t>they</a:t>
-            </a:r>
-            <a:r>
-              <a:rPr lang="fr-FR" dirty="0"/>
-              <a:t> </a:t>
-            </a:r>
-            <a:r>
-              <a:rPr lang="fr-FR" dirty="0" err="1"/>
-              <a:t>will</a:t>
-            </a:r>
-            <a:r>
-              <a:rPr lang="fr-FR" dirty="0"/>
-              <a:t> have </a:t>
-            </a:r>
-            <a:r>
-              <a:rPr lang="fr-FR" dirty="0" err="1"/>
-              <a:t>access</a:t>
-            </a:r>
-            <a:r>
-              <a:rPr lang="fr-FR" dirty="0"/>
-              <a:t> to the pollution and production of </a:t>
-            </a:r>
-            <a:r>
-              <a:rPr lang="fr-FR" dirty="0" err="1"/>
-              <a:t>each</a:t>
-            </a:r>
-            <a:r>
-              <a:rPr lang="fr-FR" dirty="0"/>
-              <a:t> village (</a:t>
-            </a:r>
-            <a:r>
-              <a:rPr lang="fr-FR" dirty="0" err="1"/>
-              <a:t>individual</a:t>
-            </a:r>
-            <a:r>
-              <a:rPr lang="fr-FR" dirty="0"/>
-              <a:t> </a:t>
-            </a:r>
-            <a:r>
-              <a:rPr lang="fr-FR" dirty="0" err="1"/>
-              <a:t>indicators</a:t>
-            </a:r>
-            <a:r>
-              <a:rPr lang="fr-FR" dirty="0"/>
-              <a:t>) and of the commune (global </a:t>
-            </a:r>
-            <a:r>
-              <a:rPr lang="fr-FR" dirty="0" err="1"/>
-              <a:t>indicators</a:t>
-            </a:r>
-            <a:r>
-              <a:rPr lang="fr-FR" dirty="0"/>
-              <a:t>)</a:t>
-            </a:r>
-          </a:p>
-        </p:txBody>
-      </p:sp>
-      <p:pic>
-        <p:nvPicPr>
-          <p:cNvPr id="6" name="Image 5">
-            <a:extLst>
-              <a:ext uri="{FF2B5EF4-FFF2-40B4-BE49-F238E27FC236}">
-                <a16:creationId xmlns:a16="http://schemas.microsoft.com/office/drawing/2014/main" id="{01A8131E-9E43-F295-6898-EDCBF2445F20}"/>
-              </a:ext>
-            </a:extLst>
-          </p:cNvPr>
-          <p:cNvPicPr>
-            <a:picLocks noChangeAspect="1"/>
-          </p:cNvPicPr>
-          <p:nvPr/>
-        </p:nvPicPr>
-        <p:blipFill>
-          <a:blip r:embed="rId2"/>
-          <a:stretch>
-            <a:fillRect/>
-          </a:stretch>
-        </p:blipFill>
-        <p:spPr>
-          <a:xfrm>
-            <a:off x="1503158" y="1957515"/>
-            <a:ext cx="9338084" cy="4617356"/>
-          </a:xfrm>
-          <a:prstGeom prst="rect">
-            <a:avLst/>
-          </a:prstGeom>
-        </p:spPr>
-      </p:pic>
+        </p:txBody>
+      </p:sp>
     </p:spTree>
     <p:extLst>
       <p:ext uri="{BB962C8B-B14F-4D97-AF65-F5344CB8AC3E}">
-        <p14:creationId xmlns:p14="http://schemas.microsoft.com/office/powerpoint/2010/main" val="1842238525"/>
+        <p14:creationId xmlns:p14="http://schemas.microsoft.com/office/powerpoint/2010/main" val="3297954558"/>
       </p:ext>
     </p:extLst>
   </p:cSld>
